--- a/1.pptx
+++ b/1.pptx
@@ -15,7 +15,38 @@
     <p:sldId id="264" r:id="rId9"/>
     <p:sldId id="263" r:id="rId10"/>
     <p:sldId id="265" r:id="rId11"/>
-    <p:sldId id="266" r:id="rId12"/>
+    <p:sldId id="267" r:id="rId12"/>
+    <p:sldId id="268" r:id="rId13"/>
+    <p:sldId id="266" r:id="rId14"/>
+    <p:sldId id="269" r:id="rId15"/>
+    <p:sldId id="270" r:id="rId16"/>
+    <p:sldId id="271" r:id="rId17"/>
+    <p:sldId id="272" r:id="rId18"/>
+    <p:sldId id="273" r:id="rId19"/>
+    <p:sldId id="274" r:id="rId20"/>
+    <p:sldId id="275" r:id="rId21"/>
+    <p:sldId id="276" r:id="rId22"/>
+    <p:sldId id="277" r:id="rId23"/>
+    <p:sldId id="278" r:id="rId24"/>
+    <p:sldId id="279" r:id="rId25"/>
+    <p:sldId id="280" r:id="rId26"/>
+    <p:sldId id="281" r:id="rId27"/>
+    <p:sldId id="282" r:id="rId28"/>
+    <p:sldId id="283" r:id="rId29"/>
+    <p:sldId id="284" r:id="rId30"/>
+    <p:sldId id="285" r:id="rId31"/>
+    <p:sldId id="286" r:id="rId32"/>
+    <p:sldId id="288" r:id="rId33"/>
+    <p:sldId id="287" r:id="rId34"/>
+    <p:sldId id="289" r:id="rId35"/>
+    <p:sldId id="290" r:id="rId36"/>
+    <p:sldId id="291" r:id="rId37"/>
+    <p:sldId id="293" r:id="rId38"/>
+    <p:sldId id="292" r:id="rId39"/>
+    <p:sldId id="294" r:id="rId40"/>
+    <p:sldId id="295" r:id="rId41"/>
+    <p:sldId id="296" r:id="rId42"/>
+    <p:sldId id="297" r:id="rId43"/>
   </p:sldIdLst>
   <p:sldSz cx="12192000" cy="6858000"/>
   <p:notesSz cx="6858000" cy="9144000"/>
@@ -114,6 +145,11 @@
       </a:defRPr>
     </a:lvl9pPr>
   </p:defaultTextStyle>
+  <p:extLst>
+    <p:ext uri="{EFAFB233-063F-42B5-8137-9DF3F51BA10A}">
+      <p15:sldGuideLst xmlns:p15="http://schemas.microsoft.com/office/powerpoint/2012/main"/>
+    </p:ext>
+  </p:extLst>
 </p:presentation>
 </file>
 
@@ -3502,52 +3538,40 @@
           <a:bodyPr/>
           <a:lstStyle/>
           <a:p>
-            <a:r>
-              <a:rPr lang="en-US" dirty="0"/>
-              <a:t>git </a:t>
-            </a:r>
-            <a:r>
-              <a:rPr lang="en-US" dirty="0" err="1"/>
-              <a:t>init</a:t>
-            </a:r>
-            <a:r>
-              <a:rPr lang="en-US" dirty="0"/>
-              <a:t> </a:t>
-            </a:r>
-            <a:r>
-              <a:rPr lang="zh-CN" altLang="en-US" b="0" i="0" dirty="0">
-                <a:solidFill>
-                  <a:srgbClr val="374151"/>
-                </a:solidFill>
-                <a:effectLst/>
-                <a:latin typeface="Söhne"/>
-              </a:rPr>
-              <a:t>初始化一个新的</a:t>
-            </a:r>
-            <a:r>
-              <a:rPr lang="en-US" altLang="zh-CN" b="0" i="0" dirty="0">
-                <a:solidFill>
-                  <a:srgbClr val="374151"/>
-                </a:solidFill>
-                <a:effectLst/>
-                <a:latin typeface="Söhne"/>
-              </a:rPr>
-              <a:t>Git</a:t>
-            </a:r>
-            <a:r>
-              <a:rPr lang="zh-CN" altLang="en-US" b="0" i="0">
-                <a:solidFill>
-                  <a:srgbClr val="374151"/>
-                </a:solidFill>
-                <a:effectLst/>
-                <a:latin typeface="Söhne"/>
-              </a:rPr>
-              <a:t>仓库</a:t>
-            </a:r>
             <a:endParaRPr lang="en-US" dirty="0"/>
           </a:p>
         </p:txBody>
       </p:sp>
+      <p:pic>
+        <p:nvPicPr>
+          <p:cNvPr id="7" name="图片 6">
+            <a:extLst>
+              <a:ext uri="{FF2B5EF4-FFF2-40B4-BE49-F238E27FC236}">
+                <a16:creationId xmlns:a16="http://schemas.microsoft.com/office/drawing/2014/main" id="{AD87FC91-D2C8-41FF-09D3-982CBE18C108}"/>
+              </a:ext>
+            </a:extLst>
+          </p:cNvPr>
+          <p:cNvPicPr>
+            <a:picLocks noChangeAspect="1"/>
+          </p:cNvPicPr>
+          <p:nvPr/>
+        </p:nvPicPr>
+        <p:blipFill>
+          <a:blip r:embed="rId2"/>
+          <a:stretch>
+            <a:fillRect/>
+          </a:stretch>
+        </p:blipFill>
+        <p:spPr>
+          <a:xfrm>
+            <a:off x="823936" y="1415435"/>
+            <a:ext cx="9262174" cy="5442565"/>
+          </a:xfrm>
+          <a:prstGeom prst="rect">
+            <a:avLst/>
+          </a:prstGeom>
+        </p:spPr>
+      </p:pic>
     </p:spTree>
     <p:extLst>
       <p:ext uri="{BB962C8B-B14F-4D97-AF65-F5344CB8AC3E}">
@@ -3599,6 +3623,30 @@
           <a:bodyPr/>
           <a:lstStyle/>
           <a:p>
+            <a:r>
+              <a:rPr lang="en-US" dirty="0" err="1"/>
+              <a:t>Vscode</a:t>
+            </a:r>
+            <a:r>
+              <a:rPr lang="en-US" dirty="0"/>
+              <a:t> </a:t>
+            </a:r>
+            <a:r>
+              <a:rPr lang="zh-CN" altLang="en-US" dirty="0"/>
+              <a:t>简易</a:t>
+            </a:r>
+            <a:r>
+              <a:rPr lang="en-US" altLang="zh-CN" dirty="0" err="1"/>
+              <a:t>github</a:t>
+            </a:r>
+            <a:r>
+              <a:rPr lang="en-US" altLang="zh-CN" dirty="0"/>
+              <a:t> </a:t>
+            </a:r>
+            <a:r>
+              <a:rPr lang="zh-CN" altLang="en-US" dirty="0"/>
+              <a:t>入门</a:t>
+            </a:r>
             <a:endParaRPr lang="en-US" dirty="0"/>
           </a:p>
         </p:txBody>
@@ -3624,7 +3672,414 @@
           <a:bodyPr/>
           <a:lstStyle/>
           <a:p>
-            <a:endParaRPr lang="en-US"/>
+            <a:r>
+              <a:rPr lang="en-US" dirty="0"/>
+              <a:t>Git </a:t>
+            </a:r>
+            <a:r>
+              <a:rPr lang="en-US" dirty="0" err="1"/>
+              <a:t>init</a:t>
+            </a:r>
+            <a:r>
+              <a:rPr lang="en-US" dirty="0"/>
+              <a:t> </a:t>
+            </a:r>
+            <a:r>
+              <a:rPr lang="zh-CN" altLang="en-US" dirty="0"/>
+              <a:t>初始本地</a:t>
+            </a:r>
+            <a:r>
+              <a:rPr lang="en-US" altLang="zh-CN" dirty="0"/>
+              <a:t>git</a:t>
+            </a:r>
+            <a:r>
+              <a:rPr lang="zh-CN" altLang="en-US" dirty="0"/>
+              <a:t>仓库</a:t>
+            </a:r>
+            <a:endParaRPr lang="en-US" altLang="zh-CN" dirty="0"/>
+          </a:p>
+          <a:p>
+            <a:r>
+              <a:rPr lang="en-US" altLang="zh-CN" dirty="0"/>
+              <a:t>Git add -A </a:t>
+            </a:r>
+            <a:r>
+              <a:rPr lang="zh-CN" altLang="en-US" dirty="0"/>
+              <a:t>添加所有变动到</a:t>
+            </a:r>
+            <a:r>
+              <a:rPr lang="en-US" altLang="zh-CN" dirty="0"/>
+              <a:t>Staging area</a:t>
+            </a:r>
+            <a:r>
+              <a:rPr lang="zh-CN" altLang="en-US" dirty="0"/>
+              <a:t>（暂存区）</a:t>
+            </a:r>
+            <a:endParaRPr lang="en-US" altLang="zh-CN" dirty="0"/>
+          </a:p>
+          <a:p>
+            <a:r>
+              <a:rPr lang="en-US" dirty="0"/>
+              <a:t>git commit -m “update”</a:t>
+            </a:r>
+            <a:r>
+              <a:rPr lang="zh-CN" altLang="en-US" dirty="0"/>
+              <a:t> 创建一个提交 将暂存区变动提交到仓库</a:t>
+            </a:r>
+            <a:endParaRPr lang="en-US" altLang="zh-CN" dirty="0"/>
+          </a:p>
+          <a:p>
+            <a:r>
+              <a:rPr lang="en-US" dirty="0"/>
+              <a:t>git branch -M main </a:t>
+            </a:r>
+            <a:r>
+              <a:rPr lang="zh-CN" altLang="en-US" dirty="0"/>
+              <a:t>重命名当前分支为</a:t>
+            </a:r>
+            <a:r>
+              <a:rPr lang="en-US" altLang="zh-CN" dirty="0"/>
+              <a:t>main</a:t>
+            </a:r>
+          </a:p>
+          <a:p>
+            <a:r>
+              <a:rPr lang="en-US" dirty="0"/>
+              <a:t>git remote add origin </a:t>
+            </a:r>
+            <a:r>
+              <a:rPr lang="en-US" dirty="0">
+                <a:hlinkClick r:id="rId2"/>
+              </a:rPr>
+              <a:t>https://github.com/sfyzsr/learn.git</a:t>
+            </a:r>
+            <a:r>
+              <a:rPr lang="en-US" dirty="0"/>
+              <a:t> </a:t>
+            </a:r>
+            <a:r>
+              <a:rPr lang="zh-CN" altLang="en-US" dirty="0"/>
+              <a:t>将本地与线上链接 此处的</a:t>
+            </a:r>
+            <a:r>
+              <a:rPr lang="en-US" altLang="zh-CN" dirty="0"/>
+              <a:t>origin</a:t>
+            </a:r>
+            <a:r>
+              <a:rPr lang="zh-CN" altLang="en-US" dirty="0"/>
+              <a:t>仅仅是个默认名字类似于</a:t>
+            </a:r>
+            <a:r>
+              <a:rPr lang="en-US" altLang="zh-CN" dirty="0"/>
+              <a:t>main</a:t>
+            </a:r>
+          </a:p>
+          <a:p>
+            <a:r>
+              <a:rPr lang="en-US" dirty="0"/>
+              <a:t>git push -u origin main </a:t>
+            </a:r>
+            <a:r>
+              <a:rPr lang="zh-CN" altLang="en-US" dirty="0"/>
+              <a:t>推送本地仓库代码到到远程仓库中的指定分支</a:t>
+            </a:r>
+            <a:endParaRPr lang="en-US" altLang="zh-CN" dirty="0"/>
+          </a:p>
+          <a:p>
+            <a:endParaRPr lang="en-US" dirty="0"/>
+          </a:p>
+        </p:txBody>
+      </p:sp>
+    </p:spTree>
+    <p:extLst>
+      <p:ext uri="{BB962C8B-B14F-4D97-AF65-F5344CB8AC3E}">
+        <p14:creationId xmlns:p14="http://schemas.microsoft.com/office/powerpoint/2010/main" val="2632497323"/>
+      </p:ext>
+    </p:extLst>
+  </p:cSld>
+  <p:clrMapOvr>
+    <a:masterClrMapping/>
+  </p:clrMapOvr>
+</p:sld>
+</file>
+
+<file path=ppt/slides/slide12.xml><?xml version="1.0" encoding="utf-8"?>
+<p:sld xmlns:a="http://schemas.openxmlformats.org/drawingml/2006/main" xmlns:r="http://schemas.openxmlformats.org/officeDocument/2006/relationships" xmlns:p="http://schemas.openxmlformats.org/presentationml/2006/main">
+  <p:cSld>
+    <p:spTree>
+      <p:nvGrpSpPr>
+        <p:cNvPr id="1" name=""/>
+        <p:cNvGrpSpPr/>
+        <p:nvPr/>
+      </p:nvGrpSpPr>
+      <p:grpSpPr>
+        <a:xfrm>
+          <a:off x="0" y="0"/>
+          <a:ext cx="0" cy="0"/>
+          <a:chOff x="0" y="0"/>
+          <a:chExt cx="0" cy="0"/>
+        </a:xfrm>
+      </p:grpSpPr>
+      <p:sp>
+        <p:nvSpPr>
+          <p:cNvPr id="2" name="标题 1">
+            <a:extLst>
+              <a:ext uri="{FF2B5EF4-FFF2-40B4-BE49-F238E27FC236}">
+                <a16:creationId xmlns:a16="http://schemas.microsoft.com/office/drawing/2014/main" id="{85031779-6726-7DF8-584E-089D784906D0}"/>
+              </a:ext>
+            </a:extLst>
+          </p:cNvPr>
+          <p:cNvSpPr>
+            <a:spLocks noGrp="1"/>
+          </p:cNvSpPr>
+          <p:nvPr>
+            <p:ph type="title"/>
+          </p:nvPr>
+        </p:nvSpPr>
+        <p:spPr/>
+        <p:txBody>
+          <a:bodyPr/>
+          <a:lstStyle/>
+          <a:p>
+            <a:r>
+              <a:rPr lang="en-US" dirty="0" err="1"/>
+              <a:t>Vscode</a:t>
+            </a:r>
+            <a:r>
+              <a:rPr lang="en-US" dirty="0"/>
+              <a:t> </a:t>
+            </a:r>
+            <a:r>
+              <a:rPr lang="zh-CN" altLang="en-US" dirty="0"/>
+              <a:t>简易</a:t>
+            </a:r>
+            <a:r>
+              <a:rPr lang="en-US" altLang="zh-CN" dirty="0" err="1"/>
+              <a:t>github</a:t>
+            </a:r>
+            <a:r>
+              <a:rPr lang="en-US" altLang="zh-CN" dirty="0"/>
+              <a:t> </a:t>
+            </a:r>
+            <a:r>
+              <a:rPr lang="zh-CN" altLang="en-US" dirty="0"/>
+              <a:t>入门</a:t>
+            </a:r>
+            <a:endParaRPr lang="en-US" dirty="0"/>
+          </a:p>
+        </p:txBody>
+      </p:sp>
+      <p:sp>
+        <p:nvSpPr>
+          <p:cNvPr id="3" name="内容占位符 2">
+            <a:extLst>
+              <a:ext uri="{FF2B5EF4-FFF2-40B4-BE49-F238E27FC236}">
+                <a16:creationId xmlns:a16="http://schemas.microsoft.com/office/drawing/2014/main" id="{F7FD7070-7CDD-5D73-F355-E3A07F5B2C63}"/>
+              </a:ext>
+            </a:extLst>
+          </p:cNvPr>
+          <p:cNvSpPr>
+            <a:spLocks noGrp="1"/>
+          </p:cNvSpPr>
+          <p:nvPr>
+            <p:ph idx="1"/>
+          </p:nvPr>
+        </p:nvSpPr>
+        <p:spPr/>
+        <p:txBody>
+          <a:bodyPr/>
+          <a:lstStyle/>
+          <a:p>
+            <a:r>
+              <a:rPr lang="en-US" dirty="0"/>
+              <a:t>Git pull </a:t>
+            </a:r>
+            <a:r>
+              <a:rPr lang="zh-CN" altLang="en-US" dirty="0"/>
+              <a:t>拉取更新到本地</a:t>
+            </a:r>
+            <a:endParaRPr lang="en-US" altLang="zh-CN" dirty="0"/>
+          </a:p>
+          <a:p>
+            <a:endParaRPr lang="en-US" dirty="0"/>
+          </a:p>
+        </p:txBody>
+      </p:sp>
+      <p:pic>
+        <p:nvPicPr>
+          <p:cNvPr id="8" name="图片 7">
+            <a:extLst>
+              <a:ext uri="{FF2B5EF4-FFF2-40B4-BE49-F238E27FC236}">
+                <a16:creationId xmlns:a16="http://schemas.microsoft.com/office/drawing/2014/main" id="{3D964985-61C3-BC79-6538-309527B8BBC5}"/>
+              </a:ext>
+            </a:extLst>
+          </p:cNvPr>
+          <p:cNvPicPr>
+            <a:picLocks noChangeAspect="1"/>
+          </p:cNvPicPr>
+          <p:nvPr/>
+        </p:nvPicPr>
+        <p:blipFill>
+          <a:blip r:embed="rId2"/>
+          <a:stretch>
+            <a:fillRect/>
+          </a:stretch>
+        </p:blipFill>
+        <p:spPr>
+          <a:xfrm>
+            <a:off x="1137516" y="2552122"/>
+            <a:ext cx="3562350" cy="571500"/>
+          </a:xfrm>
+          <a:prstGeom prst="rect">
+            <a:avLst/>
+          </a:prstGeom>
+        </p:spPr>
+      </p:pic>
+      <p:pic>
+        <p:nvPicPr>
+          <p:cNvPr id="10" name="图片 9">
+            <a:extLst>
+              <a:ext uri="{FF2B5EF4-FFF2-40B4-BE49-F238E27FC236}">
+                <a16:creationId xmlns:a16="http://schemas.microsoft.com/office/drawing/2014/main" id="{177826CB-24DA-6615-2498-563CBD996954}"/>
+              </a:ext>
+            </a:extLst>
+          </p:cNvPr>
+          <p:cNvPicPr>
+            <a:picLocks noChangeAspect="1"/>
+          </p:cNvPicPr>
+          <p:nvPr/>
+        </p:nvPicPr>
+        <p:blipFill>
+          <a:blip r:embed="rId3"/>
+          <a:stretch>
+            <a:fillRect/>
+          </a:stretch>
+        </p:blipFill>
+        <p:spPr>
+          <a:xfrm>
+            <a:off x="4535054" y="2426854"/>
+            <a:ext cx="7212575" cy="4057073"/>
+          </a:xfrm>
+          <a:prstGeom prst="rect">
+            <a:avLst/>
+          </a:prstGeom>
+        </p:spPr>
+      </p:pic>
+    </p:spTree>
+    <p:extLst>
+      <p:ext uri="{BB962C8B-B14F-4D97-AF65-F5344CB8AC3E}">
+        <p14:creationId xmlns:p14="http://schemas.microsoft.com/office/powerpoint/2010/main" val="2874668228"/>
+      </p:ext>
+    </p:extLst>
+  </p:cSld>
+  <p:clrMapOvr>
+    <a:masterClrMapping/>
+  </p:clrMapOvr>
+</p:sld>
+</file>
+
+<file path=ppt/slides/slide13.xml><?xml version="1.0" encoding="utf-8"?>
+<p:sld xmlns:a="http://schemas.openxmlformats.org/drawingml/2006/main" xmlns:r="http://schemas.openxmlformats.org/officeDocument/2006/relationships" xmlns:p="http://schemas.openxmlformats.org/presentationml/2006/main">
+  <p:cSld>
+    <p:spTree>
+      <p:nvGrpSpPr>
+        <p:cNvPr id="1" name=""/>
+        <p:cNvGrpSpPr/>
+        <p:nvPr/>
+      </p:nvGrpSpPr>
+      <p:grpSpPr>
+        <a:xfrm>
+          <a:off x="0" y="0"/>
+          <a:ext cx="0" cy="0"/>
+          <a:chOff x="0" y="0"/>
+          <a:chExt cx="0" cy="0"/>
+        </a:xfrm>
+      </p:grpSpPr>
+      <p:sp>
+        <p:nvSpPr>
+          <p:cNvPr id="2" name="标题 1">
+            <a:extLst>
+              <a:ext uri="{FF2B5EF4-FFF2-40B4-BE49-F238E27FC236}">
+                <a16:creationId xmlns:a16="http://schemas.microsoft.com/office/drawing/2014/main" id="{85031779-6726-7DF8-584E-089D784906D0}"/>
+              </a:ext>
+            </a:extLst>
+          </p:cNvPr>
+          <p:cNvSpPr>
+            <a:spLocks noGrp="1"/>
+          </p:cNvSpPr>
+          <p:nvPr>
+            <p:ph type="title"/>
+          </p:nvPr>
+        </p:nvSpPr>
+        <p:spPr/>
+        <p:txBody>
+          <a:bodyPr/>
+          <a:lstStyle/>
+          <a:p>
+            <a:r>
+              <a:rPr lang="en-US" altLang="zh-CN" dirty="0"/>
+              <a:t>python</a:t>
+            </a:r>
+            <a:endParaRPr lang="en-US" dirty="0"/>
+          </a:p>
+        </p:txBody>
+      </p:sp>
+      <p:sp>
+        <p:nvSpPr>
+          <p:cNvPr id="3" name="内容占位符 2">
+            <a:extLst>
+              <a:ext uri="{FF2B5EF4-FFF2-40B4-BE49-F238E27FC236}">
+                <a16:creationId xmlns:a16="http://schemas.microsoft.com/office/drawing/2014/main" id="{F7FD7070-7CDD-5D73-F355-E3A07F5B2C63}"/>
+              </a:ext>
+            </a:extLst>
+          </p:cNvPr>
+          <p:cNvSpPr>
+            <a:spLocks noGrp="1"/>
+          </p:cNvSpPr>
+          <p:nvPr>
+            <p:ph idx="1"/>
+          </p:nvPr>
+        </p:nvSpPr>
+        <p:spPr/>
+        <p:txBody>
+          <a:bodyPr/>
+          <a:lstStyle/>
+          <a:p>
+            <a:r>
+              <a:rPr lang="en-US" altLang="zh-CN" b="0" i="0" dirty="0">
+                <a:solidFill>
+                  <a:srgbClr val="000000"/>
+                </a:solidFill>
+                <a:effectLst/>
+                <a:latin typeface="Segoe UI" panose="020B0502040204020203" pitchFamily="34" charset="0"/>
+              </a:rPr>
+              <a:t>Basic </a:t>
+            </a:r>
+            <a:r>
+              <a:rPr lang="en-US" b="0" i="0" dirty="0">
+                <a:solidFill>
+                  <a:srgbClr val="000000"/>
+                </a:solidFill>
+                <a:effectLst/>
+                <a:latin typeface="Segoe UI" panose="020B0502040204020203" pitchFamily="34" charset="0"/>
+              </a:rPr>
+              <a:t>Data Types</a:t>
+            </a:r>
+          </a:p>
+          <a:p>
+            <a:r>
+              <a:rPr lang="en-US" altLang="zh-CN" dirty="0"/>
+              <a:t>For loop </a:t>
+            </a:r>
+          </a:p>
+          <a:p>
+            <a:r>
+              <a:rPr lang="en-US" dirty="0"/>
+              <a:t>While loop</a:t>
+            </a:r>
+          </a:p>
+          <a:p>
+            <a:endParaRPr lang="en-US" dirty="0"/>
           </a:p>
         </p:txBody>
       </p:sp>
@@ -3632,6 +4087,648 @@
     <p:extLst>
       <p:ext uri="{BB962C8B-B14F-4D97-AF65-F5344CB8AC3E}">
         <p14:creationId xmlns:p14="http://schemas.microsoft.com/office/powerpoint/2010/main" val="1940125127"/>
+      </p:ext>
+    </p:extLst>
+  </p:cSld>
+  <p:clrMapOvr>
+    <a:masterClrMapping/>
+  </p:clrMapOvr>
+</p:sld>
+</file>
+
+<file path=ppt/slides/slide14.xml><?xml version="1.0" encoding="utf-8"?>
+<p:sld xmlns:a="http://schemas.openxmlformats.org/drawingml/2006/main" xmlns:r="http://schemas.openxmlformats.org/officeDocument/2006/relationships" xmlns:p="http://schemas.openxmlformats.org/presentationml/2006/main">
+  <p:cSld>
+    <p:spTree>
+      <p:nvGrpSpPr>
+        <p:cNvPr id="1" name=""/>
+        <p:cNvGrpSpPr/>
+        <p:nvPr/>
+      </p:nvGrpSpPr>
+      <p:grpSpPr>
+        <a:xfrm>
+          <a:off x="0" y="0"/>
+          <a:ext cx="0" cy="0"/>
+          <a:chOff x="0" y="0"/>
+          <a:chExt cx="0" cy="0"/>
+        </a:xfrm>
+      </p:grpSpPr>
+      <p:sp>
+        <p:nvSpPr>
+          <p:cNvPr id="2" name="标题 1">
+            <a:extLst>
+              <a:ext uri="{FF2B5EF4-FFF2-40B4-BE49-F238E27FC236}">
+                <a16:creationId xmlns:a16="http://schemas.microsoft.com/office/drawing/2014/main" id="{85031779-6726-7DF8-584E-089D784906D0}"/>
+              </a:ext>
+            </a:extLst>
+          </p:cNvPr>
+          <p:cNvSpPr>
+            <a:spLocks noGrp="1"/>
+          </p:cNvSpPr>
+          <p:nvPr>
+            <p:ph type="title"/>
+          </p:nvPr>
+        </p:nvSpPr>
+        <p:spPr/>
+        <p:txBody>
+          <a:bodyPr/>
+          <a:lstStyle/>
+          <a:p>
+            <a:r>
+              <a:rPr lang="en-US" altLang="zh-CN" dirty="0"/>
+              <a:t>Python function</a:t>
+            </a:r>
+            <a:endParaRPr lang="en-US" dirty="0"/>
+          </a:p>
+        </p:txBody>
+      </p:sp>
+      <p:pic>
+        <p:nvPicPr>
+          <p:cNvPr id="5" name="内容占位符 4">
+            <a:extLst>
+              <a:ext uri="{FF2B5EF4-FFF2-40B4-BE49-F238E27FC236}">
+                <a16:creationId xmlns:a16="http://schemas.microsoft.com/office/drawing/2014/main" id="{54E4B29E-ED62-6476-21CD-658EAF600D59}"/>
+              </a:ext>
+            </a:extLst>
+          </p:cNvPr>
+          <p:cNvPicPr>
+            <a:picLocks noGrp="1" noChangeAspect="1"/>
+          </p:cNvPicPr>
+          <p:nvPr>
+            <p:ph idx="1"/>
+          </p:nvPr>
+        </p:nvPicPr>
+        <p:blipFill>
+          <a:blip r:embed="rId2"/>
+          <a:stretch>
+            <a:fillRect/>
+          </a:stretch>
+        </p:blipFill>
+        <p:spPr>
+          <a:xfrm>
+            <a:off x="919138" y="1330035"/>
+            <a:ext cx="8099981" cy="5352201"/>
+          </a:xfrm>
+        </p:spPr>
+      </p:pic>
+    </p:spTree>
+    <p:extLst>
+      <p:ext uri="{BB962C8B-B14F-4D97-AF65-F5344CB8AC3E}">
+        <p14:creationId xmlns:p14="http://schemas.microsoft.com/office/powerpoint/2010/main" val="1040388798"/>
+      </p:ext>
+    </p:extLst>
+  </p:cSld>
+  <p:clrMapOvr>
+    <a:masterClrMapping/>
+  </p:clrMapOvr>
+</p:sld>
+</file>
+
+<file path=ppt/slides/slide15.xml><?xml version="1.0" encoding="utf-8"?>
+<p:sld xmlns:a="http://schemas.openxmlformats.org/drawingml/2006/main" xmlns:r="http://schemas.openxmlformats.org/officeDocument/2006/relationships" xmlns:p="http://schemas.openxmlformats.org/presentationml/2006/main">
+  <p:cSld>
+    <p:spTree>
+      <p:nvGrpSpPr>
+        <p:cNvPr id="1" name=""/>
+        <p:cNvGrpSpPr/>
+        <p:nvPr/>
+      </p:nvGrpSpPr>
+      <p:grpSpPr>
+        <a:xfrm>
+          <a:off x="0" y="0"/>
+          <a:ext cx="0" cy="0"/>
+          <a:chOff x="0" y="0"/>
+          <a:chExt cx="0" cy="0"/>
+        </a:xfrm>
+      </p:grpSpPr>
+      <p:sp>
+        <p:nvSpPr>
+          <p:cNvPr id="2" name="标题 1">
+            <a:extLst>
+              <a:ext uri="{FF2B5EF4-FFF2-40B4-BE49-F238E27FC236}">
+                <a16:creationId xmlns:a16="http://schemas.microsoft.com/office/drawing/2014/main" id="{85031779-6726-7DF8-584E-089D784906D0}"/>
+              </a:ext>
+            </a:extLst>
+          </p:cNvPr>
+          <p:cNvSpPr>
+            <a:spLocks noGrp="1"/>
+          </p:cNvSpPr>
+          <p:nvPr>
+            <p:ph type="title"/>
+          </p:nvPr>
+        </p:nvSpPr>
+        <p:spPr/>
+        <p:txBody>
+          <a:bodyPr/>
+          <a:lstStyle/>
+          <a:p>
+            <a:r>
+              <a:rPr lang="en-US" altLang="zh-CN" dirty="0"/>
+              <a:t>Python function</a:t>
+            </a:r>
+            <a:endParaRPr lang="en-US" dirty="0"/>
+          </a:p>
+        </p:txBody>
+      </p:sp>
+      <p:pic>
+        <p:nvPicPr>
+          <p:cNvPr id="4" name="图片 3">
+            <a:extLst>
+              <a:ext uri="{FF2B5EF4-FFF2-40B4-BE49-F238E27FC236}">
+                <a16:creationId xmlns:a16="http://schemas.microsoft.com/office/drawing/2014/main" id="{2EC4125A-FA46-9C85-1809-D1F4BA530C19}"/>
+              </a:ext>
+            </a:extLst>
+          </p:cNvPr>
+          <p:cNvPicPr>
+            <a:picLocks noChangeAspect="1"/>
+          </p:cNvPicPr>
+          <p:nvPr/>
+        </p:nvPicPr>
+        <p:blipFill>
+          <a:blip r:embed="rId2"/>
+          <a:stretch>
+            <a:fillRect/>
+          </a:stretch>
+        </p:blipFill>
+        <p:spPr>
+          <a:xfrm>
+            <a:off x="437428" y="139842"/>
+            <a:ext cx="9833408" cy="6530221"/>
+          </a:xfrm>
+          <a:prstGeom prst="rect">
+            <a:avLst/>
+          </a:prstGeom>
+        </p:spPr>
+      </p:pic>
+      <p:sp>
+        <p:nvSpPr>
+          <p:cNvPr id="7" name="内容占位符 6">
+            <a:extLst>
+              <a:ext uri="{FF2B5EF4-FFF2-40B4-BE49-F238E27FC236}">
+                <a16:creationId xmlns:a16="http://schemas.microsoft.com/office/drawing/2014/main" id="{AB47F56E-F760-E6BE-BF36-F00F18B5A92F}"/>
+              </a:ext>
+            </a:extLst>
+          </p:cNvPr>
+          <p:cNvSpPr>
+            <a:spLocks noGrp="1"/>
+          </p:cNvSpPr>
+          <p:nvPr>
+            <p:ph idx="1"/>
+          </p:nvPr>
+        </p:nvSpPr>
+        <p:spPr/>
+        <p:txBody>
+          <a:bodyPr/>
+          <a:lstStyle/>
+          <a:p>
+            <a:endParaRPr lang="en-US" dirty="0"/>
+          </a:p>
+        </p:txBody>
+      </p:sp>
+    </p:spTree>
+    <p:extLst>
+      <p:ext uri="{BB962C8B-B14F-4D97-AF65-F5344CB8AC3E}">
+        <p14:creationId xmlns:p14="http://schemas.microsoft.com/office/powerpoint/2010/main" val="2513237476"/>
+      </p:ext>
+    </p:extLst>
+  </p:cSld>
+  <p:clrMapOvr>
+    <a:masterClrMapping/>
+  </p:clrMapOvr>
+</p:sld>
+</file>
+
+<file path=ppt/slides/slide16.xml><?xml version="1.0" encoding="utf-8"?>
+<p:sld xmlns:a="http://schemas.openxmlformats.org/drawingml/2006/main" xmlns:r="http://schemas.openxmlformats.org/officeDocument/2006/relationships" xmlns:p="http://schemas.openxmlformats.org/presentationml/2006/main">
+  <p:cSld>
+    <p:spTree>
+      <p:nvGrpSpPr>
+        <p:cNvPr id="1" name=""/>
+        <p:cNvGrpSpPr/>
+        <p:nvPr/>
+      </p:nvGrpSpPr>
+      <p:grpSpPr>
+        <a:xfrm>
+          <a:off x="0" y="0"/>
+          <a:ext cx="0" cy="0"/>
+          <a:chOff x="0" y="0"/>
+          <a:chExt cx="0" cy="0"/>
+        </a:xfrm>
+      </p:grpSpPr>
+      <p:sp>
+        <p:nvSpPr>
+          <p:cNvPr id="2" name="标题 1">
+            <a:extLst>
+              <a:ext uri="{FF2B5EF4-FFF2-40B4-BE49-F238E27FC236}">
+                <a16:creationId xmlns:a16="http://schemas.microsoft.com/office/drawing/2014/main" id="{14EA2C02-B012-4DC2-98AB-B9D58418930A}"/>
+              </a:ext>
+            </a:extLst>
+          </p:cNvPr>
+          <p:cNvSpPr>
+            <a:spLocks noGrp="1"/>
+          </p:cNvSpPr>
+          <p:nvPr>
+            <p:ph type="title"/>
+          </p:nvPr>
+        </p:nvSpPr>
+        <p:spPr/>
+        <p:txBody>
+          <a:bodyPr/>
+          <a:lstStyle/>
+          <a:p>
+            <a:endParaRPr lang="en-US"/>
+          </a:p>
+        </p:txBody>
+      </p:sp>
+      <p:sp>
+        <p:nvSpPr>
+          <p:cNvPr id="3" name="内容占位符 2">
+            <a:extLst>
+              <a:ext uri="{FF2B5EF4-FFF2-40B4-BE49-F238E27FC236}">
+                <a16:creationId xmlns:a16="http://schemas.microsoft.com/office/drawing/2014/main" id="{4EA9199C-ED73-F291-DDF3-77FF095B6D38}"/>
+              </a:ext>
+            </a:extLst>
+          </p:cNvPr>
+          <p:cNvSpPr>
+            <a:spLocks noGrp="1"/>
+          </p:cNvSpPr>
+          <p:nvPr>
+            <p:ph idx="1"/>
+          </p:nvPr>
+        </p:nvSpPr>
+        <p:spPr/>
+        <p:txBody>
+          <a:bodyPr/>
+          <a:lstStyle/>
+          <a:p>
+            <a:endParaRPr lang="en-US"/>
+          </a:p>
+        </p:txBody>
+      </p:sp>
+      <p:pic>
+        <p:nvPicPr>
+          <p:cNvPr id="5" name="图片 4">
+            <a:extLst>
+              <a:ext uri="{FF2B5EF4-FFF2-40B4-BE49-F238E27FC236}">
+                <a16:creationId xmlns:a16="http://schemas.microsoft.com/office/drawing/2014/main" id="{108A00D9-698A-2BEF-AA76-1B498823E067}"/>
+              </a:ext>
+            </a:extLst>
+          </p:cNvPr>
+          <p:cNvPicPr>
+            <a:picLocks noChangeAspect="1"/>
+          </p:cNvPicPr>
+          <p:nvPr/>
+        </p:nvPicPr>
+        <p:blipFill>
+          <a:blip r:embed="rId2"/>
+          <a:stretch>
+            <a:fillRect/>
+          </a:stretch>
+        </p:blipFill>
+        <p:spPr>
+          <a:xfrm>
+            <a:off x="786611" y="0"/>
+            <a:ext cx="8051069" cy="6858000"/>
+          </a:xfrm>
+          <a:prstGeom prst="rect">
+            <a:avLst/>
+          </a:prstGeom>
+        </p:spPr>
+      </p:pic>
+    </p:spTree>
+    <p:extLst>
+      <p:ext uri="{BB962C8B-B14F-4D97-AF65-F5344CB8AC3E}">
+        <p14:creationId xmlns:p14="http://schemas.microsoft.com/office/powerpoint/2010/main" val="3026700188"/>
+      </p:ext>
+    </p:extLst>
+  </p:cSld>
+  <p:clrMapOvr>
+    <a:masterClrMapping/>
+  </p:clrMapOvr>
+</p:sld>
+</file>
+
+<file path=ppt/slides/slide17.xml><?xml version="1.0" encoding="utf-8"?>
+<p:sld xmlns:a="http://schemas.openxmlformats.org/drawingml/2006/main" xmlns:r="http://schemas.openxmlformats.org/officeDocument/2006/relationships" xmlns:p="http://schemas.openxmlformats.org/presentationml/2006/main">
+  <p:cSld>
+    <p:spTree>
+      <p:nvGrpSpPr>
+        <p:cNvPr id="1" name=""/>
+        <p:cNvGrpSpPr/>
+        <p:nvPr/>
+      </p:nvGrpSpPr>
+      <p:grpSpPr>
+        <a:xfrm>
+          <a:off x="0" y="0"/>
+          <a:ext cx="0" cy="0"/>
+          <a:chOff x="0" y="0"/>
+          <a:chExt cx="0" cy="0"/>
+        </a:xfrm>
+      </p:grpSpPr>
+      <p:sp>
+        <p:nvSpPr>
+          <p:cNvPr id="2" name="标题 1">
+            <a:extLst>
+              <a:ext uri="{FF2B5EF4-FFF2-40B4-BE49-F238E27FC236}">
+                <a16:creationId xmlns:a16="http://schemas.microsoft.com/office/drawing/2014/main" id="{5BA46532-CB7D-960A-CA1B-117760DF14B0}"/>
+              </a:ext>
+            </a:extLst>
+          </p:cNvPr>
+          <p:cNvSpPr>
+            <a:spLocks noGrp="1"/>
+          </p:cNvSpPr>
+          <p:nvPr>
+            <p:ph type="title"/>
+          </p:nvPr>
+        </p:nvSpPr>
+        <p:spPr/>
+        <p:txBody>
+          <a:bodyPr/>
+          <a:lstStyle/>
+          <a:p>
+            <a:endParaRPr lang="en-US"/>
+          </a:p>
+        </p:txBody>
+      </p:sp>
+      <p:sp>
+        <p:nvSpPr>
+          <p:cNvPr id="3" name="内容占位符 2">
+            <a:extLst>
+              <a:ext uri="{FF2B5EF4-FFF2-40B4-BE49-F238E27FC236}">
+                <a16:creationId xmlns:a16="http://schemas.microsoft.com/office/drawing/2014/main" id="{60A7C1AE-F211-88FD-D81E-C70999538735}"/>
+              </a:ext>
+            </a:extLst>
+          </p:cNvPr>
+          <p:cNvSpPr>
+            <a:spLocks noGrp="1"/>
+          </p:cNvSpPr>
+          <p:nvPr>
+            <p:ph idx="1"/>
+          </p:nvPr>
+        </p:nvSpPr>
+        <p:spPr/>
+        <p:txBody>
+          <a:bodyPr/>
+          <a:lstStyle/>
+          <a:p>
+            <a:endParaRPr lang="en-US"/>
+          </a:p>
+        </p:txBody>
+      </p:sp>
+      <p:pic>
+        <p:nvPicPr>
+          <p:cNvPr id="5" name="图片 4">
+            <a:extLst>
+              <a:ext uri="{FF2B5EF4-FFF2-40B4-BE49-F238E27FC236}">
+                <a16:creationId xmlns:a16="http://schemas.microsoft.com/office/drawing/2014/main" id="{BDC223A0-610B-A38A-E2D0-CA12D9DEB081}"/>
+              </a:ext>
+            </a:extLst>
+          </p:cNvPr>
+          <p:cNvPicPr>
+            <a:picLocks noChangeAspect="1"/>
+          </p:cNvPicPr>
+          <p:nvPr/>
+        </p:nvPicPr>
+        <p:blipFill>
+          <a:blip r:embed="rId2"/>
+          <a:stretch>
+            <a:fillRect/>
+          </a:stretch>
+        </p:blipFill>
+        <p:spPr>
+          <a:xfrm>
+            <a:off x="689651" y="110836"/>
+            <a:ext cx="8186494" cy="6689445"/>
+          </a:xfrm>
+          <a:prstGeom prst="rect">
+            <a:avLst/>
+          </a:prstGeom>
+        </p:spPr>
+      </p:pic>
+    </p:spTree>
+    <p:extLst>
+      <p:ext uri="{BB962C8B-B14F-4D97-AF65-F5344CB8AC3E}">
+        <p14:creationId xmlns:p14="http://schemas.microsoft.com/office/powerpoint/2010/main" val="2922599070"/>
+      </p:ext>
+    </p:extLst>
+  </p:cSld>
+  <p:clrMapOvr>
+    <a:masterClrMapping/>
+  </p:clrMapOvr>
+</p:sld>
+</file>
+
+<file path=ppt/slides/slide18.xml><?xml version="1.0" encoding="utf-8"?>
+<p:sld xmlns:a="http://schemas.openxmlformats.org/drawingml/2006/main" xmlns:r="http://schemas.openxmlformats.org/officeDocument/2006/relationships" xmlns:p="http://schemas.openxmlformats.org/presentationml/2006/main">
+  <p:cSld>
+    <p:spTree>
+      <p:nvGrpSpPr>
+        <p:cNvPr id="1" name=""/>
+        <p:cNvGrpSpPr/>
+        <p:nvPr/>
+      </p:nvGrpSpPr>
+      <p:grpSpPr>
+        <a:xfrm>
+          <a:off x="0" y="0"/>
+          <a:ext cx="0" cy="0"/>
+          <a:chOff x="0" y="0"/>
+          <a:chExt cx="0" cy="0"/>
+        </a:xfrm>
+      </p:grpSpPr>
+      <p:sp>
+        <p:nvSpPr>
+          <p:cNvPr id="2" name="标题 1">
+            <a:extLst>
+              <a:ext uri="{FF2B5EF4-FFF2-40B4-BE49-F238E27FC236}">
+                <a16:creationId xmlns:a16="http://schemas.microsoft.com/office/drawing/2014/main" id="{5B97B0A8-6841-B9B9-763E-2999E847AD02}"/>
+              </a:ext>
+            </a:extLst>
+          </p:cNvPr>
+          <p:cNvSpPr>
+            <a:spLocks noGrp="1"/>
+          </p:cNvSpPr>
+          <p:nvPr>
+            <p:ph type="title"/>
+          </p:nvPr>
+        </p:nvSpPr>
+        <p:spPr/>
+        <p:txBody>
+          <a:bodyPr/>
+          <a:lstStyle/>
+          <a:p>
+            <a:endParaRPr lang="en-US"/>
+          </a:p>
+        </p:txBody>
+      </p:sp>
+      <p:sp>
+        <p:nvSpPr>
+          <p:cNvPr id="3" name="内容占位符 2">
+            <a:extLst>
+              <a:ext uri="{FF2B5EF4-FFF2-40B4-BE49-F238E27FC236}">
+                <a16:creationId xmlns:a16="http://schemas.microsoft.com/office/drawing/2014/main" id="{FB0864A0-262B-A48B-BA6C-29FD68420DC3}"/>
+              </a:ext>
+            </a:extLst>
+          </p:cNvPr>
+          <p:cNvSpPr>
+            <a:spLocks noGrp="1"/>
+          </p:cNvSpPr>
+          <p:nvPr>
+            <p:ph idx="1"/>
+          </p:nvPr>
+        </p:nvSpPr>
+        <p:spPr/>
+        <p:txBody>
+          <a:bodyPr/>
+          <a:lstStyle/>
+          <a:p>
+            <a:endParaRPr lang="en-US"/>
+          </a:p>
+        </p:txBody>
+      </p:sp>
+      <p:pic>
+        <p:nvPicPr>
+          <p:cNvPr id="5" name="图片 4">
+            <a:extLst>
+              <a:ext uri="{FF2B5EF4-FFF2-40B4-BE49-F238E27FC236}">
+                <a16:creationId xmlns:a16="http://schemas.microsoft.com/office/drawing/2014/main" id="{F6582B2A-2EBD-F3C7-FFBA-B27A2C232E9F}"/>
+              </a:ext>
+            </a:extLst>
+          </p:cNvPr>
+          <p:cNvPicPr>
+            <a:picLocks noChangeAspect="1"/>
+          </p:cNvPicPr>
+          <p:nvPr/>
+        </p:nvPicPr>
+        <p:blipFill>
+          <a:blip r:embed="rId2"/>
+          <a:stretch>
+            <a:fillRect/>
+          </a:stretch>
+        </p:blipFill>
+        <p:spPr>
+          <a:xfrm>
+            <a:off x="818861" y="845559"/>
+            <a:ext cx="9963150" cy="4391025"/>
+          </a:xfrm>
+          <a:prstGeom prst="rect">
+            <a:avLst/>
+          </a:prstGeom>
+        </p:spPr>
+      </p:pic>
+    </p:spTree>
+    <p:extLst>
+      <p:ext uri="{BB962C8B-B14F-4D97-AF65-F5344CB8AC3E}">
+        <p14:creationId xmlns:p14="http://schemas.microsoft.com/office/powerpoint/2010/main" val="3899389307"/>
+      </p:ext>
+    </p:extLst>
+  </p:cSld>
+  <p:clrMapOvr>
+    <a:masterClrMapping/>
+  </p:clrMapOvr>
+</p:sld>
+</file>
+
+<file path=ppt/slides/slide19.xml><?xml version="1.0" encoding="utf-8"?>
+<p:sld xmlns:a="http://schemas.openxmlformats.org/drawingml/2006/main" xmlns:r="http://schemas.openxmlformats.org/officeDocument/2006/relationships" xmlns:p="http://schemas.openxmlformats.org/presentationml/2006/main">
+  <p:cSld>
+    <p:spTree>
+      <p:nvGrpSpPr>
+        <p:cNvPr id="1" name=""/>
+        <p:cNvGrpSpPr/>
+        <p:nvPr/>
+      </p:nvGrpSpPr>
+      <p:grpSpPr>
+        <a:xfrm>
+          <a:off x="0" y="0"/>
+          <a:ext cx="0" cy="0"/>
+          <a:chOff x="0" y="0"/>
+          <a:chExt cx="0" cy="0"/>
+        </a:xfrm>
+      </p:grpSpPr>
+      <p:sp>
+        <p:nvSpPr>
+          <p:cNvPr id="2" name="标题 1">
+            <a:extLst>
+              <a:ext uri="{FF2B5EF4-FFF2-40B4-BE49-F238E27FC236}">
+                <a16:creationId xmlns:a16="http://schemas.microsoft.com/office/drawing/2014/main" id="{51029A60-343A-73F5-018A-DF9348F5C5F8}"/>
+              </a:ext>
+            </a:extLst>
+          </p:cNvPr>
+          <p:cNvSpPr>
+            <a:spLocks noGrp="1"/>
+          </p:cNvSpPr>
+          <p:nvPr>
+            <p:ph type="title"/>
+          </p:nvPr>
+        </p:nvSpPr>
+        <p:spPr/>
+        <p:txBody>
+          <a:bodyPr/>
+          <a:lstStyle/>
+          <a:p>
+            <a:endParaRPr lang="en-US"/>
+          </a:p>
+        </p:txBody>
+      </p:sp>
+      <p:sp>
+        <p:nvSpPr>
+          <p:cNvPr id="3" name="内容占位符 2">
+            <a:extLst>
+              <a:ext uri="{FF2B5EF4-FFF2-40B4-BE49-F238E27FC236}">
+                <a16:creationId xmlns:a16="http://schemas.microsoft.com/office/drawing/2014/main" id="{689171A2-6643-F25E-AE78-66BF578A24FC}"/>
+              </a:ext>
+            </a:extLst>
+          </p:cNvPr>
+          <p:cNvSpPr>
+            <a:spLocks noGrp="1"/>
+          </p:cNvSpPr>
+          <p:nvPr>
+            <p:ph idx="1"/>
+          </p:nvPr>
+        </p:nvSpPr>
+        <p:spPr/>
+        <p:txBody>
+          <a:bodyPr/>
+          <a:lstStyle/>
+          <a:p>
+            <a:endParaRPr lang="en-US"/>
+          </a:p>
+        </p:txBody>
+      </p:sp>
+      <p:pic>
+        <p:nvPicPr>
+          <p:cNvPr id="5" name="图片 4">
+            <a:extLst>
+              <a:ext uri="{FF2B5EF4-FFF2-40B4-BE49-F238E27FC236}">
+                <a16:creationId xmlns:a16="http://schemas.microsoft.com/office/drawing/2014/main" id="{2D8A6C47-81D9-607F-EF3B-F5392D1327C1}"/>
+              </a:ext>
+            </a:extLst>
+          </p:cNvPr>
+          <p:cNvPicPr>
+            <a:picLocks noChangeAspect="1"/>
+          </p:cNvPicPr>
+          <p:nvPr/>
+        </p:nvPicPr>
+        <p:blipFill>
+          <a:blip r:embed="rId2"/>
+          <a:stretch>
+            <a:fillRect/>
+          </a:stretch>
+        </p:blipFill>
+        <p:spPr>
+          <a:xfrm>
+            <a:off x="622877" y="505114"/>
+            <a:ext cx="10096500" cy="5219700"/>
+          </a:xfrm>
+          <a:prstGeom prst="rect">
+            <a:avLst/>
+          </a:prstGeom>
+        </p:spPr>
+      </p:pic>
+    </p:spTree>
+    <p:extLst>
+      <p:ext uri="{BB962C8B-B14F-4D97-AF65-F5344CB8AC3E}">
+        <p14:creationId xmlns:p14="http://schemas.microsoft.com/office/powerpoint/2010/main" val="4174164203"/>
       </p:ext>
     </p:extLst>
   </p:cSld>
@@ -3740,6 +4837,1124 @@
     <p:extLst>
       <p:ext uri="{BB962C8B-B14F-4D97-AF65-F5344CB8AC3E}">
         <p14:creationId xmlns:p14="http://schemas.microsoft.com/office/powerpoint/2010/main" val="2896986785"/>
+      </p:ext>
+    </p:extLst>
+  </p:cSld>
+  <p:clrMapOvr>
+    <a:masterClrMapping/>
+  </p:clrMapOvr>
+</p:sld>
+</file>
+
+<file path=ppt/slides/slide20.xml><?xml version="1.0" encoding="utf-8"?>
+<p:sld xmlns:a="http://schemas.openxmlformats.org/drawingml/2006/main" xmlns:r="http://schemas.openxmlformats.org/officeDocument/2006/relationships" xmlns:p="http://schemas.openxmlformats.org/presentationml/2006/main">
+  <p:cSld>
+    <p:spTree>
+      <p:nvGrpSpPr>
+        <p:cNvPr id="1" name=""/>
+        <p:cNvGrpSpPr/>
+        <p:nvPr/>
+      </p:nvGrpSpPr>
+      <p:grpSpPr>
+        <a:xfrm>
+          <a:off x="0" y="0"/>
+          <a:ext cx="0" cy="0"/>
+          <a:chOff x="0" y="0"/>
+          <a:chExt cx="0" cy="0"/>
+        </a:xfrm>
+      </p:grpSpPr>
+      <p:sp>
+        <p:nvSpPr>
+          <p:cNvPr id="2" name="标题 1">
+            <a:extLst>
+              <a:ext uri="{FF2B5EF4-FFF2-40B4-BE49-F238E27FC236}">
+                <a16:creationId xmlns:a16="http://schemas.microsoft.com/office/drawing/2014/main" id="{D9A69B5C-FC09-3102-B52A-67106EA8D9E6}"/>
+              </a:ext>
+            </a:extLst>
+          </p:cNvPr>
+          <p:cNvSpPr>
+            <a:spLocks noGrp="1"/>
+          </p:cNvSpPr>
+          <p:nvPr>
+            <p:ph type="title"/>
+          </p:nvPr>
+        </p:nvSpPr>
+        <p:spPr/>
+        <p:txBody>
+          <a:bodyPr/>
+          <a:lstStyle/>
+          <a:p>
+            <a:endParaRPr lang="en-US"/>
+          </a:p>
+        </p:txBody>
+      </p:sp>
+      <p:sp>
+        <p:nvSpPr>
+          <p:cNvPr id="3" name="内容占位符 2">
+            <a:extLst>
+              <a:ext uri="{FF2B5EF4-FFF2-40B4-BE49-F238E27FC236}">
+                <a16:creationId xmlns:a16="http://schemas.microsoft.com/office/drawing/2014/main" id="{035D5B9D-6EFE-86EF-62C9-5B8F8F34FE11}"/>
+              </a:ext>
+            </a:extLst>
+          </p:cNvPr>
+          <p:cNvSpPr>
+            <a:spLocks noGrp="1"/>
+          </p:cNvSpPr>
+          <p:nvPr>
+            <p:ph idx="1"/>
+          </p:nvPr>
+        </p:nvSpPr>
+        <p:spPr/>
+        <p:txBody>
+          <a:bodyPr/>
+          <a:lstStyle/>
+          <a:p>
+            <a:endParaRPr lang="en-US"/>
+          </a:p>
+        </p:txBody>
+      </p:sp>
+      <p:pic>
+        <p:nvPicPr>
+          <p:cNvPr id="5" name="图片 4">
+            <a:extLst>
+              <a:ext uri="{FF2B5EF4-FFF2-40B4-BE49-F238E27FC236}">
+                <a16:creationId xmlns:a16="http://schemas.microsoft.com/office/drawing/2014/main" id="{3279C6A6-76CF-8F6B-6A68-249286CE90BA}"/>
+              </a:ext>
+            </a:extLst>
+          </p:cNvPr>
+          <p:cNvPicPr>
+            <a:picLocks noChangeAspect="1"/>
+          </p:cNvPicPr>
+          <p:nvPr/>
+        </p:nvPicPr>
+        <p:blipFill>
+          <a:blip r:embed="rId2"/>
+          <a:stretch>
+            <a:fillRect/>
+          </a:stretch>
+        </p:blipFill>
+        <p:spPr>
+          <a:xfrm>
+            <a:off x="750598" y="1241569"/>
+            <a:ext cx="9896475" cy="3857625"/>
+          </a:xfrm>
+          <a:prstGeom prst="rect">
+            <a:avLst/>
+          </a:prstGeom>
+        </p:spPr>
+      </p:pic>
+    </p:spTree>
+    <p:extLst>
+      <p:ext uri="{BB962C8B-B14F-4D97-AF65-F5344CB8AC3E}">
+        <p14:creationId xmlns:p14="http://schemas.microsoft.com/office/powerpoint/2010/main" val="2825040892"/>
+      </p:ext>
+    </p:extLst>
+  </p:cSld>
+  <p:clrMapOvr>
+    <a:masterClrMapping/>
+  </p:clrMapOvr>
+</p:sld>
+</file>
+
+<file path=ppt/slides/slide21.xml><?xml version="1.0" encoding="utf-8"?>
+<p:sld xmlns:a="http://schemas.openxmlformats.org/drawingml/2006/main" xmlns:r="http://schemas.openxmlformats.org/officeDocument/2006/relationships" xmlns:p="http://schemas.openxmlformats.org/presentationml/2006/main">
+  <p:cSld>
+    <p:spTree>
+      <p:nvGrpSpPr>
+        <p:cNvPr id="1" name=""/>
+        <p:cNvGrpSpPr/>
+        <p:nvPr/>
+      </p:nvGrpSpPr>
+      <p:grpSpPr>
+        <a:xfrm>
+          <a:off x="0" y="0"/>
+          <a:ext cx="0" cy="0"/>
+          <a:chOff x="0" y="0"/>
+          <a:chExt cx="0" cy="0"/>
+        </a:xfrm>
+      </p:grpSpPr>
+      <p:sp>
+        <p:nvSpPr>
+          <p:cNvPr id="2" name="标题 1">
+            <a:extLst>
+              <a:ext uri="{FF2B5EF4-FFF2-40B4-BE49-F238E27FC236}">
+                <a16:creationId xmlns:a16="http://schemas.microsoft.com/office/drawing/2014/main" id="{5DA44F6F-4BDF-0835-94C6-95D97EC0730C}"/>
+              </a:ext>
+            </a:extLst>
+          </p:cNvPr>
+          <p:cNvSpPr>
+            <a:spLocks noGrp="1"/>
+          </p:cNvSpPr>
+          <p:nvPr>
+            <p:ph type="title"/>
+          </p:nvPr>
+        </p:nvSpPr>
+        <p:spPr/>
+        <p:txBody>
+          <a:bodyPr/>
+          <a:lstStyle/>
+          <a:p>
+            <a:endParaRPr lang="en-US"/>
+          </a:p>
+        </p:txBody>
+      </p:sp>
+      <p:sp>
+        <p:nvSpPr>
+          <p:cNvPr id="3" name="内容占位符 2">
+            <a:extLst>
+              <a:ext uri="{FF2B5EF4-FFF2-40B4-BE49-F238E27FC236}">
+                <a16:creationId xmlns:a16="http://schemas.microsoft.com/office/drawing/2014/main" id="{680AD740-1767-9471-70E9-DA3B18C7CEE4}"/>
+              </a:ext>
+            </a:extLst>
+          </p:cNvPr>
+          <p:cNvSpPr>
+            <a:spLocks noGrp="1"/>
+          </p:cNvSpPr>
+          <p:nvPr>
+            <p:ph idx="1"/>
+          </p:nvPr>
+        </p:nvSpPr>
+        <p:spPr/>
+        <p:txBody>
+          <a:bodyPr/>
+          <a:lstStyle/>
+          <a:p>
+            <a:endParaRPr lang="en-US"/>
+          </a:p>
+        </p:txBody>
+      </p:sp>
+      <p:pic>
+        <p:nvPicPr>
+          <p:cNvPr id="5" name="图片 4">
+            <a:extLst>
+              <a:ext uri="{FF2B5EF4-FFF2-40B4-BE49-F238E27FC236}">
+                <a16:creationId xmlns:a16="http://schemas.microsoft.com/office/drawing/2014/main" id="{19AC74AE-376D-9140-56EE-095DDF6FB180}"/>
+              </a:ext>
+            </a:extLst>
+          </p:cNvPr>
+          <p:cNvPicPr>
+            <a:picLocks noChangeAspect="1"/>
+          </p:cNvPicPr>
+          <p:nvPr/>
+        </p:nvPicPr>
+        <p:blipFill>
+          <a:blip r:embed="rId2"/>
+          <a:stretch>
+            <a:fillRect/>
+          </a:stretch>
+        </p:blipFill>
+        <p:spPr>
+          <a:xfrm>
+            <a:off x="1250324" y="86476"/>
+            <a:ext cx="8928150" cy="6568324"/>
+          </a:xfrm>
+          <a:prstGeom prst="rect">
+            <a:avLst/>
+          </a:prstGeom>
+        </p:spPr>
+      </p:pic>
+    </p:spTree>
+    <p:extLst>
+      <p:ext uri="{BB962C8B-B14F-4D97-AF65-F5344CB8AC3E}">
+        <p14:creationId xmlns:p14="http://schemas.microsoft.com/office/powerpoint/2010/main" val="2541503072"/>
+      </p:ext>
+    </p:extLst>
+  </p:cSld>
+  <p:clrMapOvr>
+    <a:masterClrMapping/>
+  </p:clrMapOvr>
+</p:sld>
+</file>
+
+<file path=ppt/slides/slide22.xml><?xml version="1.0" encoding="utf-8"?>
+<p:sld xmlns:a="http://schemas.openxmlformats.org/drawingml/2006/main" xmlns:r="http://schemas.openxmlformats.org/officeDocument/2006/relationships" xmlns:p="http://schemas.openxmlformats.org/presentationml/2006/main">
+  <p:cSld>
+    <p:spTree>
+      <p:nvGrpSpPr>
+        <p:cNvPr id="1" name=""/>
+        <p:cNvGrpSpPr/>
+        <p:nvPr/>
+      </p:nvGrpSpPr>
+      <p:grpSpPr>
+        <a:xfrm>
+          <a:off x="0" y="0"/>
+          <a:ext cx="0" cy="0"/>
+          <a:chOff x="0" y="0"/>
+          <a:chExt cx="0" cy="0"/>
+        </a:xfrm>
+      </p:grpSpPr>
+      <p:sp>
+        <p:nvSpPr>
+          <p:cNvPr id="2" name="标题 1">
+            <a:extLst>
+              <a:ext uri="{FF2B5EF4-FFF2-40B4-BE49-F238E27FC236}">
+                <a16:creationId xmlns:a16="http://schemas.microsoft.com/office/drawing/2014/main" id="{6DEE5135-779A-3572-FDC7-5C3FE0CFEFB4}"/>
+              </a:ext>
+            </a:extLst>
+          </p:cNvPr>
+          <p:cNvSpPr>
+            <a:spLocks noGrp="1"/>
+          </p:cNvSpPr>
+          <p:nvPr>
+            <p:ph type="title"/>
+          </p:nvPr>
+        </p:nvSpPr>
+        <p:spPr/>
+        <p:txBody>
+          <a:bodyPr/>
+          <a:lstStyle/>
+          <a:p>
+            <a:r>
+              <a:rPr lang="en-US" dirty="0"/>
+              <a:t>python</a:t>
+            </a:r>
+          </a:p>
+        </p:txBody>
+      </p:sp>
+      <p:sp>
+        <p:nvSpPr>
+          <p:cNvPr id="3" name="内容占位符 2">
+            <a:extLst>
+              <a:ext uri="{FF2B5EF4-FFF2-40B4-BE49-F238E27FC236}">
+                <a16:creationId xmlns:a16="http://schemas.microsoft.com/office/drawing/2014/main" id="{CEF5649E-4DF6-3E1A-D09A-4D24AF0656AD}"/>
+              </a:ext>
+            </a:extLst>
+          </p:cNvPr>
+          <p:cNvSpPr>
+            <a:spLocks noGrp="1"/>
+          </p:cNvSpPr>
+          <p:nvPr>
+            <p:ph idx="1"/>
+          </p:nvPr>
+        </p:nvSpPr>
+        <p:spPr/>
+        <p:txBody>
+          <a:bodyPr/>
+          <a:lstStyle/>
+          <a:p>
+            <a:r>
+              <a:rPr lang="zh-CN" altLang="en-US" dirty="0"/>
+              <a:t>目前讲到</a:t>
+            </a:r>
+            <a:r>
+              <a:rPr lang="en-US" altLang="zh-CN" dirty="0"/>
+              <a:t>8 </a:t>
+            </a:r>
+            <a:r>
+              <a:rPr lang="zh-CN" altLang="en-US" dirty="0"/>
+              <a:t>没有讲到的部分看看就行 用的不多（或者现阶段用不到，用到再说）</a:t>
+            </a:r>
+            <a:endParaRPr lang="en-US" altLang="zh-CN" dirty="0"/>
+          </a:p>
+          <a:p>
+            <a:endParaRPr lang="en-US" dirty="0"/>
+          </a:p>
+        </p:txBody>
+      </p:sp>
+    </p:spTree>
+    <p:extLst>
+      <p:ext uri="{BB962C8B-B14F-4D97-AF65-F5344CB8AC3E}">
+        <p14:creationId xmlns:p14="http://schemas.microsoft.com/office/powerpoint/2010/main" val="831335616"/>
+      </p:ext>
+    </p:extLst>
+  </p:cSld>
+  <p:clrMapOvr>
+    <a:masterClrMapping/>
+  </p:clrMapOvr>
+</p:sld>
+</file>
+
+<file path=ppt/slides/slide23.xml><?xml version="1.0" encoding="utf-8"?>
+<p:sld xmlns:a="http://schemas.openxmlformats.org/drawingml/2006/main" xmlns:r="http://schemas.openxmlformats.org/officeDocument/2006/relationships" xmlns:p="http://schemas.openxmlformats.org/presentationml/2006/main">
+  <p:cSld>
+    <p:spTree>
+      <p:nvGrpSpPr>
+        <p:cNvPr id="1" name=""/>
+        <p:cNvGrpSpPr/>
+        <p:nvPr/>
+      </p:nvGrpSpPr>
+      <p:grpSpPr>
+        <a:xfrm>
+          <a:off x="0" y="0"/>
+          <a:ext cx="0" cy="0"/>
+          <a:chOff x="0" y="0"/>
+          <a:chExt cx="0" cy="0"/>
+        </a:xfrm>
+      </p:grpSpPr>
+      <p:sp>
+        <p:nvSpPr>
+          <p:cNvPr id="2" name="标题 1">
+            <a:extLst>
+              <a:ext uri="{FF2B5EF4-FFF2-40B4-BE49-F238E27FC236}">
+                <a16:creationId xmlns:a16="http://schemas.microsoft.com/office/drawing/2014/main" id="{CDE56847-056A-E4E1-DCB8-01B2E0B565A4}"/>
+              </a:ext>
+            </a:extLst>
+          </p:cNvPr>
+          <p:cNvSpPr>
+            <a:spLocks noGrp="1"/>
+          </p:cNvSpPr>
+          <p:nvPr>
+            <p:ph type="title"/>
+          </p:nvPr>
+        </p:nvSpPr>
+        <p:spPr/>
+        <p:txBody>
+          <a:bodyPr/>
+          <a:lstStyle/>
+          <a:p>
+            <a:endParaRPr lang="en-US"/>
+          </a:p>
+        </p:txBody>
+      </p:sp>
+      <p:sp>
+        <p:nvSpPr>
+          <p:cNvPr id="3" name="内容占位符 2">
+            <a:extLst>
+              <a:ext uri="{FF2B5EF4-FFF2-40B4-BE49-F238E27FC236}">
+                <a16:creationId xmlns:a16="http://schemas.microsoft.com/office/drawing/2014/main" id="{6F769D19-BE2D-0DF8-E043-FCB039F19799}"/>
+              </a:ext>
+            </a:extLst>
+          </p:cNvPr>
+          <p:cNvSpPr>
+            <a:spLocks noGrp="1"/>
+          </p:cNvSpPr>
+          <p:nvPr>
+            <p:ph idx="1"/>
+          </p:nvPr>
+        </p:nvSpPr>
+        <p:spPr/>
+        <p:txBody>
+          <a:bodyPr/>
+          <a:lstStyle/>
+          <a:p>
+            <a:endParaRPr lang="en-US"/>
+          </a:p>
+        </p:txBody>
+      </p:sp>
+      <p:pic>
+        <p:nvPicPr>
+          <p:cNvPr id="5" name="图片 4">
+            <a:extLst>
+              <a:ext uri="{FF2B5EF4-FFF2-40B4-BE49-F238E27FC236}">
+                <a16:creationId xmlns:a16="http://schemas.microsoft.com/office/drawing/2014/main" id="{6F9559DF-E8B4-D5A1-532F-7E9B1F070B37}"/>
+              </a:ext>
+            </a:extLst>
+          </p:cNvPr>
+          <p:cNvPicPr>
+            <a:picLocks noChangeAspect="1"/>
+          </p:cNvPicPr>
+          <p:nvPr/>
+        </p:nvPicPr>
+        <p:blipFill>
+          <a:blip r:embed="rId2"/>
+          <a:stretch>
+            <a:fillRect/>
+          </a:stretch>
+        </p:blipFill>
+        <p:spPr>
+          <a:xfrm>
+            <a:off x="0" y="412522"/>
+            <a:ext cx="11647055" cy="6329082"/>
+          </a:xfrm>
+          <a:prstGeom prst="rect">
+            <a:avLst/>
+          </a:prstGeom>
+        </p:spPr>
+      </p:pic>
+    </p:spTree>
+    <p:extLst>
+      <p:ext uri="{BB962C8B-B14F-4D97-AF65-F5344CB8AC3E}">
+        <p14:creationId xmlns:p14="http://schemas.microsoft.com/office/powerpoint/2010/main" val="439047476"/>
+      </p:ext>
+    </p:extLst>
+  </p:cSld>
+  <p:clrMapOvr>
+    <a:masterClrMapping/>
+  </p:clrMapOvr>
+</p:sld>
+</file>
+
+<file path=ppt/slides/slide24.xml><?xml version="1.0" encoding="utf-8"?>
+<p:sld xmlns:a="http://schemas.openxmlformats.org/drawingml/2006/main" xmlns:r="http://schemas.openxmlformats.org/officeDocument/2006/relationships" xmlns:p="http://schemas.openxmlformats.org/presentationml/2006/main">
+  <p:cSld>
+    <p:spTree>
+      <p:nvGrpSpPr>
+        <p:cNvPr id="1" name=""/>
+        <p:cNvGrpSpPr/>
+        <p:nvPr/>
+      </p:nvGrpSpPr>
+      <p:grpSpPr>
+        <a:xfrm>
+          <a:off x="0" y="0"/>
+          <a:ext cx="0" cy="0"/>
+          <a:chOff x="0" y="0"/>
+          <a:chExt cx="0" cy="0"/>
+        </a:xfrm>
+      </p:grpSpPr>
+      <p:sp>
+        <p:nvSpPr>
+          <p:cNvPr id="2" name="标题 1">
+            <a:extLst>
+              <a:ext uri="{FF2B5EF4-FFF2-40B4-BE49-F238E27FC236}">
+                <a16:creationId xmlns:a16="http://schemas.microsoft.com/office/drawing/2014/main" id="{F589E8C6-8AA5-73B1-B09F-37E91BF73019}"/>
+              </a:ext>
+            </a:extLst>
+          </p:cNvPr>
+          <p:cNvSpPr>
+            <a:spLocks noGrp="1"/>
+          </p:cNvSpPr>
+          <p:nvPr>
+            <p:ph type="title"/>
+          </p:nvPr>
+        </p:nvSpPr>
+        <p:spPr/>
+        <p:txBody>
+          <a:bodyPr/>
+          <a:lstStyle/>
+          <a:p>
+            <a:endParaRPr lang="en-US"/>
+          </a:p>
+        </p:txBody>
+      </p:sp>
+      <p:sp>
+        <p:nvSpPr>
+          <p:cNvPr id="3" name="内容占位符 2">
+            <a:extLst>
+              <a:ext uri="{FF2B5EF4-FFF2-40B4-BE49-F238E27FC236}">
+                <a16:creationId xmlns:a16="http://schemas.microsoft.com/office/drawing/2014/main" id="{9B9DA5DA-142C-1AEA-9A16-EDB350952724}"/>
+              </a:ext>
+            </a:extLst>
+          </p:cNvPr>
+          <p:cNvSpPr>
+            <a:spLocks noGrp="1"/>
+          </p:cNvSpPr>
+          <p:nvPr>
+            <p:ph idx="1"/>
+          </p:nvPr>
+        </p:nvSpPr>
+        <p:spPr/>
+        <p:txBody>
+          <a:bodyPr/>
+          <a:lstStyle/>
+          <a:p>
+            <a:endParaRPr lang="en-US"/>
+          </a:p>
+        </p:txBody>
+      </p:sp>
+      <p:pic>
+        <p:nvPicPr>
+          <p:cNvPr id="5" name="图片 4">
+            <a:extLst>
+              <a:ext uri="{FF2B5EF4-FFF2-40B4-BE49-F238E27FC236}">
+                <a16:creationId xmlns:a16="http://schemas.microsoft.com/office/drawing/2014/main" id="{7147DD52-122D-21A2-DDEA-971B480421BA}"/>
+              </a:ext>
+            </a:extLst>
+          </p:cNvPr>
+          <p:cNvPicPr>
+            <a:picLocks noChangeAspect="1"/>
+          </p:cNvPicPr>
+          <p:nvPr/>
+        </p:nvPicPr>
+        <p:blipFill>
+          <a:blip r:embed="rId2"/>
+          <a:stretch>
+            <a:fillRect/>
+          </a:stretch>
+        </p:blipFill>
+        <p:spPr>
+          <a:xfrm>
+            <a:off x="558539" y="0"/>
+            <a:ext cx="11074922" cy="6858000"/>
+          </a:xfrm>
+          <a:prstGeom prst="rect">
+            <a:avLst/>
+          </a:prstGeom>
+        </p:spPr>
+      </p:pic>
+    </p:spTree>
+    <p:extLst>
+      <p:ext uri="{BB962C8B-B14F-4D97-AF65-F5344CB8AC3E}">
+        <p14:creationId xmlns:p14="http://schemas.microsoft.com/office/powerpoint/2010/main" val="2033892731"/>
+      </p:ext>
+    </p:extLst>
+  </p:cSld>
+  <p:clrMapOvr>
+    <a:masterClrMapping/>
+  </p:clrMapOvr>
+</p:sld>
+</file>
+
+<file path=ppt/slides/slide25.xml><?xml version="1.0" encoding="utf-8"?>
+<p:sld xmlns:a="http://schemas.openxmlformats.org/drawingml/2006/main" xmlns:r="http://schemas.openxmlformats.org/officeDocument/2006/relationships" xmlns:p="http://schemas.openxmlformats.org/presentationml/2006/main">
+  <p:cSld>
+    <p:spTree>
+      <p:nvGrpSpPr>
+        <p:cNvPr id="1" name=""/>
+        <p:cNvGrpSpPr/>
+        <p:nvPr/>
+      </p:nvGrpSpPr>
+      <p:grpSpPr>
+        <a:xfrm>
+          <a:off x="0" y="0"/>
+          <a:ext cx="0" cy="0"/>
+          <a:chOff x="0" y="0"/>
+          <a:chExt cx="0" cy="0"/>
+        </a:xfrm>
+      </p:grpSpPr>
+      <p:sp>
+        <p:nvSpPr>
+          <p:cNvPr id="2" name="标题 1">
+            <a:extLst>
+              <a:ext uri="{FF2B5EF4-FFF2-40B4-BE49-F238E27FC236}">
+                <a16:creationId xmlns:a16="http://schemas.microsoft.com/office/drawing/2014/main" id="{2E03A5A8-C845-CFB5-AE01-75293AA8377C}"/>
+              </a:ext>
+            </a:extLst>
+          </p:cNvPr>
+          <p:cNvSpPr>
+            <a:spLocks noGrp="1"/>
+          </p:cNvSpPr>
+          <p:nvPr>
+            <p:ph type="title"/>
+          </p:nvPr>
+        </p:nvSpPr>
+        <p:spPr/>
+        <p:txBody>
+          <a:bodyPr/>
+          <a:lstStyle/>
+          <a:p>
+            <a:endParaRPr lang="en-US"/>
+          </a:p>
+        </p:txBody>
+      </p:sp>
+      <p:sp>
+        <p:nvSpPr>
+          <p:cNvPr id="3" name="内容占位符 2">
+            <a:extLst>
+              <a:ext uri="{FF2B5EF4-FFF2-40B4-BE49-F238E27FC236}">
+                <a16:creationId xmlns:a16="http://schemas.microsoft.com/office/drawing/2014/main" id="{0B12807D-4194-1C31-D417-B2560A1B5AC1}"/>
+              </a:ext>
+            </a:extLst>
+          </p:cNvPr>
+          <p:cNvSpPr>
+            <a:spLocks noGrp="1"/>
+          </p:cNvSpPr>
+          <p:nvPr>
+            <p:ph idx="1"/>
+          </p:nvPr>
+        </p:nvSpPr>
+        <p:spPr/>
+        <p:txBody>
+          <a:bodyPr/>
+          <a:lstStyle/>
+          <a:p>
+            <a:endParaRPr lang="en-US"/>
+          </a:p>
+        </p:txBody>
+      </p:sp>
+      <p:pic>
+        <p:nvPicPr>
+          <p:cNvPr id="5" name="图片 4">
+            <a:extLst>
+              <a:ext uri="{FF2B5EF4-FFF2-40B4-BE49-F238E27FC236}">
+                <a16:creationId xmlns:a16="http://schemas.microsoft.com/office/drawing/2014/main" id="{AE311F69-2AE5-6CF7-113B-EF817BCBF239}"/>
+              </a:ext>
+            </a:extLst>
+          </p:cNvPr>
+          <p:cNvPicPr>
+            <a:picLocks noChangeAspect="1"/>
+          </p:cNvPicPr>
+          <p:nvPr/>
+        </p:nvPicPr>
+        <p:blipFill>
+          <a:blip r:embed="rId2"/>
+          <a:stretch>
+            <a:fillRect/>
+          </a:stretch>
+        </p:blipFill>
+        <p:spPr>
+          <a:xfrm>
+            <a:off x="0" y="356950"/>
+            <a:ext cx="11905673" cy="6295503"/>
+          </a:xfrm>
+          <a:prstGeom prst="rect">
+            <a:avLst/>
+          </a:prstGeom>
+        </p:spPr>
+      </p:pic>
+    </p:spTree>
+    <p:extLst>
+      <p:ext uri="{BB962C8B-B14F-4D97-AF65-F5344CB8AC3E}">
+        <p14:creationId xmlns:p14="http://schemas.microsoft.com/office/powerpoint/2010/main" val="1397905934"/>
+      </p:ext>
+    </p:extLst>
+  </p:cSld>
+  <p:clrMapOvr>
+    <a:masterClrMapping/>
+  </p:clrMapOvr>
+</p:sld>
+</file>
+
+<file path=ppt/slides/slide26.xml><?xml version="1.0" encoding="utf-8"?>
+<p:sld xmlns:a="http://schemas.openxmlformats.org/drawingml/2006/main" xmlns:r="http://schemas.openxmlformats.org/officeDocument/2006/relationships" xmlns:p="http://schemas.openxmlformats.org/presentationml/2006/main">
+  <p:cSld>
+    <p:spTree>
+      <p:nvGrpSpPr>
+        <p:cNvPr id="1" name=""/>
+        <p:cNvGrpSpPr/>
+        <p:nvPr/>
+      </p:nvGrpSpPr>
+      <p:grpSpPr>
+        <a:xfrm>
+          <a:off x="0" y="0"/>
+          <a:ext cx="0" cy="0"/>
+          <a:chOff x="0" y="0"/>
+          <a:chExt cx="0" cy="0"/>
+        </a:xfrm>
+      </p:grpSpPr>
+      <p:sp>
+        <p:nvSpPr>
+          <p:cNvPr id="2" name="标题 1">
+            <a:extLst>
+              <a:ext uri="{FF2B5EF4-FFF2-40B4-BE49-F238E27FC236}">
+                <a16:creationId xmlns:a16="http://schemas.microsoft.com/office/drawing/2014/main" id="{CA8A93F3-EB5B-FF23-C639-ECDE3EF86875}"/>
+              </a:ext>
+            </a:extLst>
+          </p:cNvPr>
+          <p:cNvSpPr>
+            <a:spLocks noGrp="1"/>
+          </p:cNvSpPr>
+          <p:nvPr>
+            <p:ph type="title"/>
+          </p:nvPr>
+        </p:nvSpPr>
+        <p:spPr/>
+        <p:txBody>
+          <a:bodyPr/>
+          <a:lstStyle/>
+          <a:p>
+            <a:endParaRPr lang="en-US"/>
+          </a:p>
+        </p:txBody>
+      </p:sp>
+      <p:sp>
+        <p:nvSpPr>
+          <p:cNvPr id="3" name="内容占位符 2">
+            <a:extLst>
+              <a:ext uri="{FF2B5EF4-FFF2-40B4-BE49-F238E27FC236}">
+                <a16:creationId xmlns:a16="http://schemas.microsoft.com/office/drawing/2014/main" id="{1ACDD657-61AD-1F66-99D4-785FAA1F2B0F}"/>
+              </a:ext>
+            </a:extLst>
+          </p:cNvPr>
+          <p:cNvSpPr>
+            <a:spLocks noGrp="1"/>
+          </p:cNvSpPr>
+          <p:nvPr>
+            <p:ph idx="1"/>
+          </p:nvPr>
+        </p:nvSpPr>
+        <p:spPr/>
+        <p:txBody>
+          <a:bodyPr/>
+          <a:lstStyle/>
+          <a:p>
+            <a:endParaRPr lang="en-US"/>
+          </a:p>
+        </p:txBody>
+      </p:sp>
+      <p:pic>
+        <p:nvPicPr>
+          <p:cNvPr id="5" name="图片 4">
+            <a:extLst>
+              <a:ext uri="{FF2B5EF4-FFF2-40B4-BE49-F238E27FC236}">
+                <a16:creationId xmlns:a16="http://schemas.microsoft.com/office/drawing/2014/main" id="{73F9DB22-1C9B-4DC6-335E-46CFD17A5ECC}"/>
+              </a:ext>
+            </a:extLst>
+          </p:cNvPr>
+          <p:cNvPicPr>
+            <a:picLocks noChangeAspect="1"/>
+          </p:cNvPicPr>
+          <p:nvPr/>
+        </p:nvPicPr>
+        <p:blipFill>
+          <a:blip r:embed="rId2"/>
+          <a:stretch>
+            <a:fillRect/>
+          </a:stretch>
+        </p:blipFill>
+        <p:spPr>
+          <a:xfrm>
+            <a:off x="526473" y="452581"/>
+            <a:ext cx="11497678" cy="5865091"/>
+          </a:xfrm>
+          <a:prstGeom prst="rect">
+            <a:avLst/>
+          </a:prstGeom>
+        </p:spPr>
+      </p:pic>
+    </p:spTree>
+    <p:extLst>
+      <p:ext uri="{BB962C8B-B14F-4D97-AF65-F5344CB8AC3E}">
+        <p14:creationId xmlns:p14="http://schemas.microsoft.com/office/powerpoint/2010/main" val="1454367334"/>
+      </p:ext>
+    </p:extLst>
+  </p:cSld>
+  <p:clrMapOvr>
+    <a:masterClrMapping/>
+  </p:clrMapOvr>
+</p:sld>
+</file>
+
+<file path=ppt/slides/slide27.xml><?xml version="1.0" encoding="utf-8"?>
+<p:sld xmlns:a="http://schemas.openxmlformats.org/drawingml/2006/main" xmlns:r="http://schemas.openxmlformats.org/officeDocument/2006/relationships" xmlns:p="http://schemas.openxmlformats.org/presentationml/2006/main">
+  <p:cSld>
+    <p:spTree>
+      <p:nvGrpSpPr>
+        <p:cNvPr id="1" name=""/>
+        <p:cNvGrpSpPr/>
+        <p:nvPr/>
+      </p:nvGrpSpPr>
+      <p:grpSpPr>
+        <a:xfrm>
+          <a:off x="0" y="0"/>
+          <a:ext cx="0" cy="0"/>
+          <a:chOff x="0" y="0"/>
+          <a:chExt cx="0" cy="0"/>
+        </a:xfrm>
+      </p:grpSpPr>
+      <p:sp>
+        <p:nvSpPr>
+          <p:cNvPr id="2" name="标题 1">
+            <a:extLst>
+              <a:ext uri="{FF2B5EF4-FFF2-40B4-BE49-F238E27FC236}">
+                <a16:creationId xmlns:a16="http://schemas.microsoft.com/office/drawing/2014/main" id="{C939B4E8-D51D-2EF0-976E-9DCA3AF6A6B4}"/>
+              </a:ext>
+            </a:extLst>
+          </p:cNvPr>
+          <p:cNvSpPr>
+            <a:spLocks noGrp="1"/>
+          </p:cNvSpPr>
+          <p:nvPr>
+            <p:ph type="title"/>
+          </p:nvPr>
+        </p:nvSpPr>
+        <p:spPr/>
+        <p:txBody>
+          <a:bodyPr/>
+          <a:lstStyle/>
+          <a:p>
+            <a:endParaRPr lang="en-US"/>
+          </a:p>
+        </p:txBody>
+      </p:sp>
+      <p:sp>
+        <p:nvSpPr>
+          <p:cNvPr id="3" name="内容占位符 2">
+            <a:extLst>
+              <a:ext uri="{FF2B5EF4-FFF2-40B4-BE49-F238E27FC236}">
+                <a16:creationId xmlns:a16="http://schemas.microsoft.com/office/drawing/2014/main" id="{B3EB3DD3-24D9-E226-F233-8985F69CD27B}"/>
+              </a:ext>
+            </a:extLst>
+          </p:cNvPr>
+          <p:cNvSpPr>
+            <a:spLocks noGrp="1"/>
+          </p:cNvSpPr>
+          <p:nvPr>
+            <p:ph idx="1"/>
+          </p:nvPr>
+        </p:nvSpPr>
+        <p:spPr/>
+        <p:txBody>
+          <a:bodyPr/>
+          <a:lstStyle/>
+          <a:p>
+            <a:endParaRPr lang="en-US"/>
+          </a:p>
+        </p:txBody>
+      </p:sp>
+      <p:pic>
+        <p:nvPicPr>
+          <p:cNvPr id="5" name="图片 4">
+            <a:extLst>
+              <a:ext uri="{FF2B5EF4-FFF2-40B4-BE49-F238E27FC236}">
+                <a16:creationId xmlns:a16="http://schemas.microsoft.com/office/drawing/2014/main" id="{0CB4F00C-9837-B889-A79D-C94BFB26E726}"/>
+              </a:ext>
+            </a:extLst>
+          </p:cNvPr>
+          <p:cNvPicPr>
+            <a:picLocks noChangeAspect="1"/>
+          </p:cNvPicPr>
+          <p:nvPr/>
+        </p:nvPicPr>
+        <p:blipFill>
+          <a:blip r:embed="rId2"/>
+          <a:stretch>
+            <a:fillRect/>
+          </a:stretch>
+        </p:blipFill>
+        <p:spPr>
+          <a:xfrm>
+            <a:off x="424873" y="200052"/>
+            <a:ext cx="11425382" cy="6229323"/>
+          </a:xfrm>
+          <a:prstGeom prst="rect">
+            <a:avLst/>
+          </a:prstGeom>
+        </p:spPr>
+      </p:pic>
+    </p:spTree>
+    <p:extLst>
+      <p:ext uri="{BB962C8B-B14F-4D97-AF65-F5344CB8AC3E}">
+        <p14:creationId xmlns:p14="http://schemas.microsoft.com/office/powerpoint/2010/main" val="10570526"/>
+      </p:ext>
+    </p:extLst>
+  </p:cSld>
+  <p:clrMapOvr>
+    <a:masterClrMapping/>
+  </p:clrMapOvr>
+</p:sld>
+</file>
+
+<file path=ppt/slides/slide28.xml><?xml version="1.0" encoding="utf-8"?>
+<p:sld xmlns:a="http://schemas.openxmlformats.org/drawingml/2006/main" xmlns:r="http://schemas.openxmlformats.org/officeDocument/2006/relationships" xmlns:p="http://schemas.openxmlformats.org/presentationml/2006/main">
+  <p:cSld>
+    <p:spTree>
+      <p:nvGrpSpPr>
+        <p:cNvPr id="1" name=""/>
+        <p:cNvGrpSpPr/>
+        <p:nvPr/>
+      </p:nvGrpSpPr>
+      <p:grpSpPr>
+        <a:xfrm>
+          <a:off x="0" y="0"/>
+          <a:ext cx="0" cy="0"/>
+          <a:chOff x="0" y="0"/>
+          <a:chExt cx="0" cy="0"/>
+        </a:xfrm>
+      </p:grpSpPr>
+      <p:sp>
+        <p:nvSpPr>
+          <p:cNvPr id="2" name="标题 1">
+            <a:extLst>
+              <a:ext uri="{FF2B5EF4-FFF2-40B4-BE49-F238E27FC236}">
+                <a16:creationId xmlns:a16="http://schemas.microsoft.com/office/drawing/2014/main" id="{2588C88F-243A-CEDB-649C-44C7BF041953}"/>
+              </a:ext>
+            </a:extLst>
+          </p:cNvPr>
+          <p:cNvSpPr>
+            <a:spLocks noGrp="1"/>
+          </p:cNvSpPr>
+          <p:nvPr>
+            <p:ph type="title"/>
+          </p:nvPr>
+        </p:nvSpPr>
+        <p:spPr/>
+        <p:txBody>
+          <a:bodyPr/>
+          <a:lstStyle/>
+          <a:p>
+            <a:endParaRPr lang="en-US"/>
+          </a:p>
+        </p:txBody>
+      </p:sp>
+      <p:sp>
+        <p:nvSpPr>
+          <p:cNvPr id="3" name="内容占位符 2">
+            <a:extLst>
+              <a:ext uri="{FF2B5EF4-FFF2-40B4-BE49-F238E27FC236}">
+                <a16:creationId xmlns:a16="http://schemas.microsoft.com/office/drawing/2014/main" id="{720F0B00-A149-A049-B8FB-94C99F942F50}"/>
+              </a:ext>
+            </a:extLst>
+          </p:cNvPr>
+          <p:cNvSpPr>
+            <a:spLocks noGrp="1"/>
+          </p:cNvSpPr>
+          <p:nvPr>
+            <p:ph idx="1"/>
+          </p:nvPr>
+        </p:nvSpPr>
+        <p:spPr/>
+        <p:txBody>
+          <a:bodyPr/>
+          <a:lstStyle/>
+          <a:p>
+            <a:endParaRPr lang="en-US"/>
+          </a:p>
+        </p:txBody>
+      </p:sp>
+      <p:pic>
+        <p:nvPicPr>
+          <p:cNvPr id="5" name="图片 4">
+            <a:extLst>
+              <a:ext uri="{FF2B5EF4-FFF2-40B4-BE49-F238E27FC236}">
+                <a16:creationId xmlns:a16="http://schemas.microsoft.com/office/drawing/2014/main" id="{3A9C3652-A220-41EE-FA5A-F3CD3194C449}"/>
+              </a:ext>
+            </a:extLst>
+          </p:cNvPr>
+          <p:cNvPicPr>
+            <a:picLocks noChangeAspect="1"/>
+          </p:cNvPicPr>
+          <p:nvPr/>
+        </p:nvPicPr>
+        <p:blipFill>
+          <a:blip r:embed="rId2"/>
+          <a:stretch>
+            <a:fillRect/>
+          </a:stretch>
+        </p:blipFill>
+        <p:spPr>
+          <a:xfrm>
+            <a:off x="193964" y="160268"/>
+            <a:ext cx="11526982" cy="6388811"/>
+          </a:xfrm>
+          <a:prstGeom prst="rect">
+            <a:avLst/>
+          </a:prstGeom>
+        </p:spPr>
+      </p:pic>
+      <p:pic>
+        <p:nvPicPr>
+          <p:cNvPr id="7" name="图片 6">
+            <a:extLst>
+              <a:ext uri="{FF2B5EF4-FFF2-40B4-BE49-F238E27FC236}">
+                <a16:creationId xmlns:a16="http://schemas.microsoft.com/office/drawing/2014/main" id="{01DC350A-5566-AEDA-C648-C020755A1632}"/>
+              </a:ext>
+            </a:extLst>
+          </p:cNvPr>
+          <p:cNvPicPr>
+            <a:picLocks noChangeAspect="1"/>
+          </p:cNvPicPr>
+          <p:nvPr/>
+        </p:nvPicPr>
+        <p:blipFill>
+          <a:blip r:embed="rId3"/>
+          <a:stretch>
+            <a:fillRect/>
+          </a:stretch>
+        </p:blipFill>
+        <p:spPr>
+          <a:xfrm>
+            <a:off x="1927658" y="282022"/>
+            <a:ext cx="5008852" cy="1179487"/>
+          </a:xfrm>
+          <a:prstGeom prst="rect">
+            <a:avLst/>
+          </a:prstGeom>
+        </p:spPr>
+      </p:pic>
+    </p:spTree>
+    <p:extLst>
+      <p:ext uri="{BB962C8B-B14F-4D97-AF65-F5344CB8AC3E}">
+        <p14:creationId xmlns:p14="http://schemas.microsoft.com/office/powerpoint/2010/main" val="2478730716"/>
+      </p:ext>
+    </p:extLst>
+  </p:cSld>
+  <p:clrMapOvr>
+    <a:masterClrMapping/>
+  </p:clrMapOvr>
+</p:sld>
+</file>
+
+<file path=ppt/slides/slide29.xml><?xml version="1.0" encoding="utf-8"?>
+<p:sld xmlns:a="http://schemas.openxmlformats.org/drawingml/2006/main" xmlns:r="http://schemas.openxmlformats.org/officeDocument/2006/relationships" xmlns:p="http://schemas.openxmlformats.org/presentationml/2006/main">
+  <p:cSld>
+    <p:spTree>
+      <p:nvGrpSpPr>
+        <p:cNvPr id="1" name=""/>
+        <p:cNvGrpSpPr/>
+        <p:nvPr/>
+      </p:nvGrpSpPr>
+      <p:grpSpPr>
+        <a:xfrm>
+          <a:off x="0" y="0"/>
+          <a:ext cx="0" cy="0"/>
+          <a:chOff x="0" y="0"/>
+          <a:chExt cx="0" cy="0"/>
+        </a:xfrm>
+      </p:grpSpPr>
+      <p:sp>
+        <p:nvSpPr>
+          <p:cNvPr id="2" name="标题 1">
+            <a:extLst>
+              <a:ext uri="{FF2B5EF4-FFF2-40B4-BE49-F238E27FC236}">
+                <a16:creationId xmlns:a16="http://schemas.microsoft.com/office/drawing/2014/main" id="{338EFDCA-01FE-F3C3-E5D0-8157A497E525}"/>
+              </a:ext>
+            </a:extLst>
+          </p:cNvPr>
+          <p:cNvSpPr>
+            <a:spLocks noGrp="1"/>
+          </p:cNvSpPr>
+          <p:nvPr>
+            <p:ph type="title"/>
+          </p:nvPr>
+        </p:nvSpPr>
+        <p:spPr/>
+        <p:txBody>
+          <a:bodyPr/>
+          <a:lstStyle/>
+          <a:p>
+            <a:endParaRPr lang="en-US"/>
+          </a:p>
+        </p:txBody>
+      </p:sp>
+      <p:sp>
+        <p:nvSpPr>
+          <p:cNvPr id="3" name="内容占位符 2">
+            <a:extLst>
+              <a:ext uri="{FF2B5EF4-FFF2-40B4-BE49-F238E27FC236}">
+                <a16:creationId xmlns:a16="http://schemas.microsoft.com/office/drawing/2014/main" id="{D356D63A-83F6-6482-5D10-82B31A4D473F}"/>
+              </a:ext>
+            </a:extLst>
+          </p:cNvPr>
+          <p:cNvSpPr>
+            <a:spLocks noGrp="1"/>
+          </p:cNvSpPr>
+          <p:nvPr>
+            <p:ph idx="1"/>
+          </p:nvPr>
+        </p:nvSpPr>
+        <p:spPr/>
+        <p:txBody>
+          <a:bodyPr/>
+          <a:lstStyle/>
+          <a:p>
+            <a:endParaRPr lang="en-US"/>
+          </a:p>
+        </p:txBody>
+      </p:sp>
+      <p:pic>
+        <p:nvPicPr>
+          <p:cNvPr id="5" name="图片 4">
+            <a:extLst>
+              <a:ext uri="{FF2B5EF4-FFF2-40B4-BE49-F238E27FC236}">
+                <a16:creationId xmlns:a16="http://schemas.microsoft.com/office/drawing/2014/main" id="{6942D6C7-AE84-D0AA-B158-59E7268817A3}"/>
+              </a:ext>
+            </a:extLst>
+          </p:cNvPr>
+          <p:cNvPicPr>
+            <a:picLocks noChangeAspect="1"/>
+          </p:cNvPicPr>
+          <p:nvPr/>
+        </p:nvPicPr>
+        <p:blipFill>
+          <a:blip r:embed="rId2"/>
+          <a:stretch>
+            <a:fillRect/>
+          </a:stretch>
+        </p:blipFill>
+        <p:spPr>
+          <a:xfrm>
+            <a:off x="193964" y="452581"/>
+            <a:ext cx="11494534" cy="6022719"/>
+          </a:xfrm>
+          <a:prstGeom prst="rect">
+            <a:avLst/>
+          </a:prstGeom>
+        </p:spPr>
+      </p:pic>
+    </p:spTree>
+    <p:extLst>
+      <p:ext uri="{BB962C8B-B14F-4D97-AF65-F5344CB8AC3E}">
+        <p14:creationId xmlns:p14="http://schemas.microsoft.com/office/powerpoint/2010/main" val="3648647850"/>
       </p:ext>
     </p:extLst>
   </p:cSld>
@@ -3921,6 +6136,1226 @@
 </p:sld>
 </file>
 
+<file path=ppt/slides/slide30.xml><?xml version="1.0" encoding="utf-8"?>
+<p:sld xmlns:a="http://schemas.openxmlformats.org/drawingml/2006/main" xmlns:r="http://schemas.openxmlformats.org/officeDocument/2006/relationships" xmlns:p="http://schemas.openxmlformats.org/presentationml/2006/main">
+  <p:cSld>
+    <p:spTree>
+      <p:nvGrpSpPr>
+        <p:cNvPr id="1" name=""/>
+        <p:cNvGrpSpPr/>
+        <p:nvPr/>
+      </p:nvGrpSpPr>
+      <p:grpSpPr>
+        <a:xfrm>
+          <a:off x="0" y="0"/>
+          <a:ext cx="0" cy="0"/>
+          <a:chOff x="0" y="0"/>
+          <a:chExt cx="0" cy="0"/>
+        </a:xfrm>
+      </p:grpSpPr>
+      <p:sp>
+        <p:nvSpPr>
+          <p:cNvPr id="2" name="标题 1">
+            <a:extLst>
+              <a:ext uri="{FF2B5EF4-FFF2-40B4-BE49-F238E27FC236}">
+                <a16:creationId xmlns:a16="http://schemas.microsoft.com/office/drawing/2014/main" id="{F464CB82-C0C5-C14E-03E9-3FF459BCCA6F}"/>
+              </a:ext>
+            </a:extLst>
+          </p:cNvPr>
+          <p:cNvSpPr>
+            <a:spLocks noGrp="1"/>
+          </p:cNvSpPr>
+          <p:nvPr>
+            <p:ph type="title"/>
+          </p:nvPr>
+        </p:nvSpPr>
+        <p:spPr/>
+        <p:txBody>
+          <a:bodyPr/>
+          <a:lstStyle/>
+          <a:p>
+            <a:endParaRPr lang="en-US"/>
+          </a:p>
+        </p:txBody>
+      </p:sp>
+      <p:sp>
+        <p:nvSpPr>
+          <p:cNvPr id="3" name="内容占位符 2">
+            <a:extLst>
+              <a:ext uri="{FF2B5EF4-FFF2-40B4-BE49-F238E27FC236}">
+                <a16:creationId xmlns:a16="http://schemas.microsoft.com/office/drawing/2014/main" id="{82EEC86E-3D2D-2691-A366-B0C64273A3A8}"/>
+              </a:ext>
+            </a:extLst>
+          </p:cNvPr>
+          <p:cNvSpPr>
+            <a:spLocks noGrp="1"/>
+          </p:cNvSpPr>
+          <p:nvPr>
+            <p:ph idx="1"/>
+          </p:nvPr>
+        </p:nvSpPr>
+        <p:spPr/>
+        <p:txBody>
+          <a:bodyPr/>
+          <a:lstStyle/>
+          <a:p>
+            <a:endParaRPr lang="en-US"/>
+          </a:p>
+        </p:txBody>
+      </p:sp>
+      <p:pic>
+        <p:nvPicPr>
+          <p:cNvPr id="5" name="图片 4">
+            <a:extLst>
+              <a:ext uri="{FF2B5EF4-FFF2-40B4-BE49-F238E27FC236}">
+                <a16:creationId xmlns:a16="http://schemas.microsoft.com/office/drawing/2014/main" id="{E3D78861-95DE-FF66-6F33-5CE5356C3CBE}"/>
+              </a:ext>
+            </a:extLst>
+          </p:cNvPr>
+          <p:cNvPicPr>
+            <a:picLocks noChangeAspect="1"/>
+          </p:cNvPicPr>
+          <p:nvPr/>
+        </p:nvPicPr>
+        <p:blipFill>
+          <a:blip r:embed="rId2"/>
+          <a:stretch>
+            <a:fillRect/>
+          </a:stretch>
+        </p:blipFill>
+        <p:spPr>
+          <a:xfrm>
+            <a:off x="87887" y="0"/>
+            <a:ext cx="12016226" cy="6858000"/>
+          </a:xfrm>
+          <a:prstGeom prst="rect">
+            <a:avLst/>
+          </a:prstGeom>
+        </p:spPr>
+      </p:pic>
+    </p:spTree>
+    <p:extLst>
+      <p:ext uri="{BB962C8B-B14F-4D97-AF65-F5344CB8AC3E}">
+        <p14:creationId xmlns:p14="http://schemas.microsoft.com/office/powerpoint/2010/main" val="3385176115"/>
+      </p:ext>
+    </p:extLst>
+  </p:cSld>
+  <p:clrMapOvr>
+    <a:masterClrMapping/>
+  </p:clrMapOvr>
+</p:sld>
+</file>
+
+<file path=ppt/slides/slide31.xml><?xml version="1.0" encoding="utf-8"?>
+<p:sld xmlns:a="http://schemas.openxmlformats.org/drawingml/2006/main" xmlns:r="http://schemas.openxmlformats.org/officeDocument/2006/relationships" xmlns:p="http://schemas.openxmlformats.org/presentationml/2006/main">
+  <p:cSld>
+    <p:spTree>
+      <p:nvGrpSpPr>
+        <p:cNvPr id="1" name=""/>
+        <p:cNvGrpSpPr/>
+        <p:nvPr/>
+      </p:nvGrpSpPr>
+      <p:grpSpPr>
+        <a:xfrm>
+          <a:off x="0" y="0"/>
+          <a:ext cx="0" cy="0"/>
+          <a:chOff x="0" y="0"/>
+          <a:chExt cx="0" cy="0"/>
+        </a:xfrm>
+      </p:grpSpPr>
+      <p:sp>
+        <p:nvSpPr>
+          <p:cNvPr id="2" name="标题 1">
+            <a:extLst>
+              <a:ext uri="{FF2B5EF4-FFF2-40B4-BE49-F238E27FC236}">
+                <a16:creationId xmlns:a16="http://schemas.microsoft.com/office/drawing/2014/main" id="{AA5C2056-CB88-6E96-9F4B-71585117F2CC}"/>
+              </a:ext>
+            </a:extLst>
+          </p:cNvPr>
+          <p:cNvSpPr>
+            <a:spLocks noGrp="1"/>
+          </p:cNvSpPr>
+          <p:nvPr>
+            <p:ph type="title"/>
+          </p:nvPr>
+        </p:nvSpPr>
+        <p:spPr/>
+        <p:txBody>
+          <a:bodyPr/>
+          <a:lstStyle/>
+          <a:p>
+            <a:endParaRPr lang="en-US"/>
+          </a:p>
+        </p:txBody>
+      </p:sp>
+      <p:sp>
+        <p:nvSpPr>
+          <p:cNvPr id="3" name="内容占位符 2">
+            <a:extLst>
+              <a:ext uri="{FF2B5EF4-FFF2-40B4-BE49-F238E27FC236}">
+                <a16:creationId xmlns:a16="http://schemas.microsoft.com/office/drawing/2014/main" id="{CFC80999-A817-6263-D333-53F43B175401}"/>
+              </a:ext>
+            </a:extLst>
+          </p:cNvPr>
+          <p:cNvSpPr>
+            <a:spLocks noGrp="1"/>
+          </p:cNvSpPr>
+          <p:nvPr>
+            <p:ph idx="1"/>
+          </p:nvPr>
+        </p:nvSpPr>
+        <p:spPr/>
+        <p:txBody>
+          <a:bodyPr/>
+          <a:lstStyle/>
+          <a:p>
+            <a:endParaRPr lang="en-US"/>
+          </a:p>
+        </p:txBody>
+      </p:sp>
+      <p:pic>
+        <p:nvPicPr>
+          <p:cNvPr id="5" name="图片 4">
+            <a:extLst>
+              <a:ext uri="{FF2B5EF4-FFF2-40B4-BE49-F238E27FC236}">
+                <a16:creationId xmlns:a16="http://schemas.microsoft.com/office/drawing/2014/main" id="{42BA4075-B93A-85F0-76A5-F2F792E75F34}"/>
+              </a:ext>
+            </a:extLst>
+          </p:cNvPr>
+          <p:cNvPicPr>
+            <a:picLocks noChangeAspect="1"/>
+          </p:cNvPicPr>
+          <p:nvPr/>
+        </p:nvPicPr>
+        <p:blipFill>
+          <a:blip r:embed="rId2"/>
+          <a:stretch>
+            <a:fillRect/>
+          </a:stretch>
+        </p:blipFill>
+        <p:spPr>
+          <a:xfrm>
+            <a:off x="605800" y="329568"/>
+            <a:ext cx="10452725" cy="6528432"/>
+          </a:xfrm>
+          <a:prstGeom prst="rect">
+            <a:avLst/>
+          </a:prstGeom>
+        </p:spPr>
+      </p:pic>
+    </p:spTree>
+    <p:extLst>
+      <p:ext uri="{BB962C8B-B14F-4D97-AF65-F5344CB8AC3E}">
+        <p14:creationId xmlns:p14="http://schemas.microsoft.com/office/powerpoint/2010/main" val="597644699"/>
+      </p:ext>
+    </p:extLst>
+  </p:cSld>
+  <p:clrMapOvr>
+    <a:masterClrMapping/>
+  </p:clrMapOvr>
+</p:sld>
+</file>
+
+<file path=ppt/slides/slide32.xml><?xml version="1.0" encoding="utf-8"?>
+<p:sld xmlns:a="http://schemas.openxmlformats.org/drawingml/2006/main" xmlns:r="http://schemas.openxmlformats.org/officeDocument/2006/relationships" xmlns:p="http://schemas.openxmlformats.org/presentationml/2006/main">
+  <p:cSld>
+    <p:spTree>
+      <p:nvGrpSpPr>
+        <p:cNvPr id="1" name=""/>
+        <p:cNvGrpSpPr/>
+        <p:nvPr/>
+      </p:nvGrpSpPr>
+      <p:grpSpPr>
+        <a:xfrm>
+          <a:off x="0" y="0"/>
+          <a:ext cx="0" cy="0"/>
+          <a:chOff x="0" y="0"/>
+          <a:chExt cx="0" cy="0"/>
+        </a:xfrm>
+      </p:grpSpPr>
+      <p:sp>
+        <p:nvSpPr>
+          <p:cNvPr id="2" name="标题 1">
+            <a:extLst>
+              <a:ext uri="{FF2B5EF4-FFF2-40B4-BE49-F238E27FC236}">
+                <a16:creationId xmlns:a16="http://schemas.microsoft.com/office/drawing/2014/main" id="{E820A4CB-C541-A549-4092-ED36D88E4C42}"/>
+              </a:ext>
+            </a:extLst>
+          </p:cNvPr>
+          <p:cNvSpPr>
+            <a:spLocks noGrp="1"/>
+          </p:cNvSpPr>
+          <p:nvPr>
+            <p:ph type="title"/>
+          </p:nvPr>
+        </p:nvSpPr>
+        <p:spPr/>
+        <p:txBody>
+          <a:bodyPr/>
+          <a:lstStyle/>
+          <a:p>
+            <a:endParaRPr lang="en-US"/>
+          </a:p>
+        </p:txBody>
+      </p:sp>
+      <p:sp>
+        <p:nvSpPr>
+          <p:cNvPr id="3" name="内容占位符 2">
+            <a:extLst>
+              <a:ext uri="{FF2B5EF4-FFF2-40B4-BE49-F238E27FC236}">
+                <a16:creationId xmlns:a16="http://schemas.microsoft.com/office/drawing/2014/main" id="{147F31FA-4C8A-A148-6A02-1F4CD95FA7A8}"/>
+              </a:ext>
+            </a:extLst>
+          </p:cNvPr>
+          <p:cNvSpPr>
+            <a:spLocks noGrp="1"/>
+          </p:cNvSpPr>
+          <p:nvPr>
+            <p:ph idx="1"/>
+          </p:nvPr>
+        </p:nvSpPr>
+        <p:spPr/>
+        <p:txBody>
+          <a:bodyPr/>
+          <a:lstStyle/>
+          <a:p>
+            <a:endParaRPr lang="en-US"/>
+          </a:p>
+        </p:txBody>
+      </p:sp>
+      <p:pic>
+        <p:nvPicPr>
+          <p:cNvPr id="5" name="图片 4">
+            <a:extLst>
+              <a:ext uri="{FF2B5EF4-FFF2-40B4-BE49-F238E27FC236}">
+                <a16:creationId xmlns:a16="http://schemas.microsoft.com/office/drawing/2014/main" id="{1D7BC229-88F9-90D4-6894-E13504C7C417}"/>
+              </a:ext>
+            </a:extLst>
+          </p:cNvPr>
+          <p:cNvPicPr>
+            <a:picLocks noChangeAspect="1"/>
+          </p:cNvPicPr>
+          <p:nvPr/>
+        </p:nvPicPr>
+        <p:blipFill>
+          <a:blip r:embed="rId2"/>
+          <a:stretch>
+            <a:fillRect/>
+          </a:stretch>
+        </p:blipFill>
+        <p:spPr>
+          <a:xfrm>
+            <a:off x="0" y="84933"/>
+            <a:ext cx="12192000" cy="6688134"/>
+          </a:xfrm>
+          <a:prstGeom prst="rect">
+            <a:avLst/>
+          </a:prstGeom>
+        </p:spPr>
+      </p:pic>
+    </p:spTree>
+    <p:extLst>
+      <p:ext uri="{BB962C8B-B14F-4D97-AF65-F5344CB8AC3E}">
+        <p14:creationId xmlns:p14="http://schemas.microsoft.com/office/powerpoint/2010/main" val="3770930382"/>
+      </p:ext>
+    </p:extLst>
+  </p:cSld>
+  <p:clrMapOvr>
+    <a:masterClrMapping/>
+  </p:clrMapOvr>
+</p:sld>
+</file>
+
+<file path=ppt/slides/slide33.xml><?xml version="1.0" encoding="utf-8"?>
+<p:sld xmlns:a="http://schemas.openxmlformats.org/drawingml/2006/main" xmlns:r="http://schemas.openxmlformats.org/officeDocument/2006/relationships" xmlns:p="http://schemas.openxmlformats.org/presentationml/2006/main">
+  <p:cSld>
+    <p:spTree>
+      <p:nvGrpSpPr>
+        <p:cNvPr id="1" name=""/>
+        <p:cNvGrpSpPr/>
+        <p:nvPr/>
+      </p:nvGrpSpPr>
+      <p:grpSpPr>
+        <a:xfrm>
+          <a:off x="0" y="0"/>
+          <a:ext cx="0" cy="0"/>
+          <a:chOff x="0" y="0"/>
+          <a:chExt cx="0" cy="0"/>
+        </a:xfrm>
+      </p:grpSpPr>
+      <p:sp>
+        <p:nvSpPr>
+          <p:cNvPr id="2" name="标题 1">
+            <a:extLst>
+              <a:ext uri="{FF2B5EF4-FFF2-40B4-BE49-F238E27FC236}">
+                <a16:creationId xmlns:a16="http://schemas.microsoft.com/office/drawing/2014/main" id="{75264C29-5C83-F75F-1380-ABA7D46C3C5D}"/>
+              </a:ext>
+            </a:extLst>
+          </p:cNvPr>
+          <p:cNvSpPr>
+            <a:spLocks noGrp="1"/>
+          </p:cNvSpPr>
+          <p:nvPr>
+            <p:ph type="title"/>
+          </p:nvPr>
+        </p:nvSpPr>
+        <p:spPr/>
+        <p:txBody>
+          <a:bodyPr/>
+          <a:lstStyle/>
+          <a:p>
+            <a:endParaRPr lang="en-US"/>
+          </a:p>
+        </p:txBody>
+      </p:sp>
+      <p:sp>
+        <p:nvSpPr>
+          <p:cNvPr id="3" name="内容占位符 2">
+            <a:extLst>
+              <a:ext uri="{FF2B5EF4-FFF2-40B4-BE49-F238E27FC236}">
+                <a16:creationId xmlns:a16="http://schemas.microsoft.com/office/drawing/2014/main" id="{4A71A5BC-D15A-FE60-254C-F02939E20B89}"/>
+              </a:ext>
+            </a:extLst>
+          </p:cNvPr>
+          <p:cNvSpPr>
+            <a:spLocks noGrp="1"/>
+          </p:cNvSpPr>
+          <p:nvPr>
+            <p:ph idx="1"/>
+          </p:nvPr>
+        </p:nvSpPr>
+        <p:spPr/>
+        <p:txBody>
+          <a:bodyPr/>
+          <a:lstStyle/>
+          <a:p>
+            <a:endParaRPr lang="en-US"/>
+          </a:p>
+        </p:txBody>
+      </p:sp>
+      <p:pic>
+        <p:nvPicPr>
+          <p:cNvPr id="5" name="图片 4">
+            <a:extLst>
+              <a:ext uri="{FF2B5EF4-FFF2-40B4-BE49-F238E27FC236}">
+                <a16:creationId xmlns:a16="http://schemas.microsoft.com/office/drawing/2014/main" id="{EC2156C7-A107-E27D-E971-D5621B917E41}"/>
+              </a:ext>
+            </a:extLst>
+          </p:cNvPr>
+          <p:cNvPicPr>
+            <a:picLocks noChangeAspect="1"/>
+          </p:cNvPicPr>
+          <p:nvPr/>
+        </p:nvPicPr>
+        <p:blipFill>
+          <a:blip r:embed="rId2"/>
+          <a:stretch>
+            <a:fillRect/>
+          </a:stretch>
+        </p:blipFill>
+        <p:spPr>
+          <a:xfrm>
+            <a:off x="1240958" y="0"/>
+            <a:ext cx="9710083" cy="6858000"/>
+          </a:xfrm>
+          <a:prstGeom prst="rect">
+            <a:avLst/>
+          </a:prstGeom>
+        </p:spPr>
+      </p:pic>
+    </p:spTree>
+    <p:extLst>
+      <p:ext uri="{BB962C8B-B14F-4D97-AF65-F5344CB8AC3E}">
+        <p14:creationId xmlns:p14="http://schemas.microsoft.com/office/powerpoint/2010/main" val="1529026774"/>
+      </p:ext>
+    </p:extLst>
+  </p:cSld>
+  <p:clrMapOvr>
+    <a:masterClrMapping/>
+  </p:clrMapOvr>
+</p:sld>
+</file>
+
+<file path=ppt/slides/slide34.xml><?xml version="1.0" encoding="utf-8"?>
+<p:sld xmlns:a="http://schemas.openxmlformats.org/drawingml/2006/main" xmlns:r="http://schemas.openxmlformats.org/officeDocument/2006/relationships" xmlns:p="http://schemas.openxmlformats.org/presentationml/2006/main">
+  <p:cSld>
+    <p:spTree>
+      <p:nvGrpSpPr>
+        <p:cNvPr id="1" name=""/>
+        <p:cNvGrpSpPr/>
+        <p:nvPr/>
+      </p:nvGrpSpPr>
+      <p:grpSpPr>
+        <a:xfrm>
+          <a:off x="0" y="0"/>
+          <a:ext cx="0" cy="0"/>
+          <a:chOff x="0" y="0"/>
+          <a:chExt cx="0" cy="0"/>
+        </a:xfrm>
+      </p:grpSpPr>
+      <p:sp>
+        <p:nvSpPr>
+          <p:cNvPr id="2" name="标题 1">
+            <a:extLst>
+              <a:ext uri="{FF2B5EF4-FFF2-40B4-BE49-F238E27FC236}">
+                <a16:creationId xmlns:a16="http://schemas.microsoft.com/office/drawing/2014/main" id="{96A8E609-D691-00FC-E668-68C4A8F66FBE}"/>
+              </a:ext>
+            </a:extLst>
+          </p:cNvPr>
+          <p:cNvSpPr>
+            <a:spLocks noGrp="1"/>
+          </p:cNvSpPr>
+          <p:nvPr>
+            <p:ph type="title"/>
+          </p:nvPr>
+        </p:nvSpPr>
+        <p:spPr/>
+        <p:txBody>
+          <a:bodyPr/>
+          <a:lstStyle/>
+          <a:p>
+            <a:endParaRPr lang="en-US"/>
+          </a:p>
+        </p:txBody>
+      </p:sp>
+      <p:sp>
+        <p:nvSpPr>
+          <p:cNvPr id="3" name="内容占位符 2">
+            <a:extLst>
+              <a:ext uri="{FF2B5EF4-FFF2-40B4-BE49-F238E27FC236}">
+                <a16:creationId xmlns:a16="http://schemas.microsoft.com/office/drawing/2014/main" id="{E15D6737-70BD-D55E-C341-CE0E546E1592}"/>
+              </a:ext>
+            </a:extLst>
+          </p:cNvPr>
+          <p:cNvSpPr>
+            <a:spLocks noGrp="1"/>
+          </p:cNvSpPr>
+          <p:nvPr>
+            <p:ph idx="1"/>
+          </p:nvPr>
+        </p:nvSpPr>
+        <p:spPr/>
+        <p:txBody>
+          <a:bodyPr/>
+          <a:lstStyle/>
+          <a:p>
+            <a:endParaRPr lang="en-US"/>
+          </a:p>
+        </p:txBody>
+      </p:sp>
+      <p:pic>
+        <p:nvPicPr>
+          <p:cNvPr id="5" name="图片 4">
+            <a:extLst>
+              <a:ext uri="{FF2B5EF4-FFF2-40B4-BE49-F238E27FC236}">
+                <a16:creationId xmlns:a16="http://schemas.microsoft.com/office/drawing/2014/main" id="{1CDE16C9-3BF8-B450-6DA2-3233ECFAC7FD}"/>
+              </a:ext>
+            </a:extLst>
+          </p:cNvPr>
+          <p:cNvPicPr>
+            <a:picLocks noChangeAspect="1"/>
+          </p:cNvPicPr>
+          <p:nvPr/>
+        </p:nvPicPr>
+        <p:blipFill>
+          <a:blip r:embed="rId2"/>
+          <a:stretch>
+            <a:fillRect/>
+          </a:stretch>
+        </p:blipFill>
+        <p:spPr>
+          <a:xfrm>
+            <a:off x="0" y="275072"/>
+            <a:ext cx="11620500" cy="6333593"/>
+          </a:xfrm>
+          <a:prstGeom prst="rect">
+            <a:avLst/>
+          </a:prstGeom>
+        </p:spPr>
+      </p:pic>
+    </p:spTree>
+    <p:extLst>
+      <p:ext uri="{BB962C8B-B14F-4D97-AF65-F5344CB8AC3E}">
+        <p14:creationId xmlns:p14="http://schemas.microsoft.com/office/powerpoint/2010/main" val="2653871017"/>
+      </p:ext>
+    </p:extLst>
+  </p:cSld>
+  <p:clrMapOvr>
+    <a:masterClrMapping/>
+  </p:clrMapOvr>
+</p:sld>
+</file>
+
+<file path=ppt/slides/slide35.xml><?xml version="1.0" encoding="utf-8"?>
+<p:sld xmlns:a="http://schemas.openxmlformats.org/drawingml/2006/main" xmlns:r="http://schemas.openxmlformats.org/officeDocument/2006/relationships" xmlns:p="http://schemas.openxmlformats.org/presentationml/2006/main">
+  <p:cSld>
+    <p:spTree>
+      <p:nvGrpSpPr>
+        <p:cNvPr id="1" name=""/>
+        <p:cNvGrpSpPr/>
+        <p:nvPr/>
+      </p:nvGrpSpPr>
+      <p:grpSpPr>
+        <a:xfrm>
+          <a:off x="0" y="0"/>
+          <a:ext cx="0" cy="0"/>
+          <a:chOff x="0" y="0"/>
+          <a:chExt cx="0" cy="0"/>
+        </a:xfrm>
+      </p:grpSpPr>
+      <p:sp>
+        <p:nvSpPr>
+          <p:cNvPr id="2" name="标题 1">
+            <a:extLst>
+              <a:ext uri="{FF2B5EF4-FFF2-40B4-BE49-F238E27FC236}">
+                <a16:creationId xmlns:a16="http://schemas.microsoft.com/office/drawing/2014/main" id="{302A6103-DF8A-608B-8932-C2E0EFB1B16E}"/>
+              </a:ext>
+            </a:extLst>
+          </p:cNvPr>
+          <p:cNvSpPr>
+            <a:spLocks noGrp="1"/>
+          </p:cNvSpPr>
+          <p:nvPr>
+            <p:ph type="title"/>
+          </p:nvPr>
+        </p:nvSpPr>
+        <p:spPr/>
+        <p:txBody>
+          <a:bodyPr/>
+          <a:lstStyle/>
+          <a:p>
+            <a:endParaRPr lang="en-US"/>
+          </a:p>
+        </p:txBody>
+      </p:sp>
+      <p:sp>
+        <p:nvSpPr>
+          <p:cNvPr id="3" name="内容占位符 2">
+            <a:extLst>
+              <a:ext uri="{FF2B5EF4-FFF2-40B4-BE49-F238E27FC236}">
+                <a16:creationId xmlns:a16="http://schemas.microsoft.com/office/drawing/2014/main" id="{3F180BDD-EE06-BEC1-F209-A00A7950A08D}"/>
+              </a:ext>
+            </a:extLst>
+          </p:cNvPr>
+          <p:cNvSpPr>
+            <a:spLocks noGrp="1"/>
+          </p:cNvSpPr>
+          <p:nvPr>
+            <p:ph idx="1"/>
+          </p:nvPr>
+        </p:nvSpPr>
+        <p:spPr/>
+        <p:txBody>
+          <a:bodyPr/>
+          <a:lstStyle/>
+          <a:p>
+            <a:endParaRPr lang="en-US"/>
+          </a:p>
+        </p:txBody>
+      </p:sp>
+      <p:pic>
+        <p:nvPicPr>
+          <p:cNvPr id="5" name="图片 4">
+            <a:extLst>
+              <a:ext uri="{FF2B5EF4-FFF2-40B4-BE49-F238E27FC236}">
+                <a16:creationId xmlns:a16="http://schemas.microsoft.com/office/drawing/2014/main" id="{4DBCBE76-12D7-48D4-8A9B-515DC817A824}"/>
+              </a:ext>
+            </a:extLst>
+          </p:cNvPr>
+          <p:cNvPicPr>
+            <a:picLocks noChangeAspect="1"/>
+          </p:cNvPicPr>
+          <p:nvPr/>
+        </p:nvPicPr>
+        <p:blipFill>
+          <a:blip r:embed="rId2"/>
+          <a:stretch>
+            <a:fillRect/>
+          </a:stretch>
+        </p:blipFill>
+        <p:spPr>
+          <a:xfrm>
+            <a:off x="228600" y="311008"/>
+            <a:ext cx="11468100" cy="6086799"/>
+          </a:xfrm>
+          <a:prstGeom prst="rect">
+            <a:avLst/>
+          </a:prstGeom>
+        </p:spPr>
+      </p:pic>
+    </p:spTree>
+    <p:extLst>
+      <p:ext uri="{BB962C8B-B14F-4D97-AF65-F5344CB8AC3E}">
+        <p14:creationId xmlns:p14="http://schemas.microsoft.com/office/powerpoint/2010/main" val="3140585286"/>
+      </p:ext>
+    </p:extLst>
+  </p:cSld>
+  <p:clrMapOvr>
+    <a:masterClrMapping/>
+  </p:clrMapOvr>
+</p:sld>
+</file>
+
+<file path=ppt/slides/slide36.xml><?xml version="1.0" encoding="utf-8"?>
+<p:sld xmlns:a="http://schemas.openxmlformats.org/drawingml/2006/main" xmlns:r="http://schemas.openxmlformats.org/officeDocument/2006/relationships" xmlns:p="http://schemas.openxmlformats.org/presentationml/2006/main">
+  <p:cSld>
+    <p:spTree>
+      <p:nvGrpSpPr>
+        <p:cNvPr id="1" name=""/>
+        <p:cNvGrpSpPr/>
+        <p:nvPr/>
+      </p:nvGrpSpPr>
+      <p:grpSpPr>
+        <a:xfrm>
+          <a:off x="0" y="0"/>
+          <a:ext cx="0" cy="0"/>
+          <a:chOff x="0" y="0"/>
+          <a:chExt cx="0" cy="0"/>
+        </a:xfrm>
+      </p:grpSpPr>
+      <p:sp>
+        <p:nvSpPr>
+          <p:cNvPr id="2" name="标题 1">
+            <a:extLst>
+              <a:ext uri="{FF2B5EF4-FFF2-40B4-BE49-F238E27FC236}">
+                <a16:creationId xmlns:a16="http://schemas.microsoft.com/office/drawing/2014/main" id="{E3CCCD88-DE8A-4CD8-97CE-C7EA74F9E098}"/>
+              </a:ext>
+            </a:extLst>
+          </p:cNvPr>
+          <p:cNvSpPr>
+            <a:spLocks noGrp="1"/>
+          </p:cNvSpPr>
+          <p:nvPr>
+            <p:ph type="title"/>
+          </p:nvPr>
+        </p:nvSpPr>
+        <p:spPr/>
+        <p:txBody>
+          <a:bodyPr/>
+          <a:lstStyle/>
+          <a:p>
+            <a:r>
+              <a:rPr lang="zh-CN" altLang="en-US" dirty="0"/>
+              <a:t>简单练习</a:t>
+            </a:r>
+            <a:endParaRPr lang="en-US" dirty="0"/>
+          </a:p>
+        </p:txBody>
+      </p:sp>
+      <p:sp>
+        <p:nvSpPr>
+          <p:cNvPr id="3" name="内容占位符 2">
+            <a:extLst>
+              <a:ext uri="{FF2B5EF4-FFF2-40B4-BE49-F238E27FC236}">
+                <a16:creationId xmlns:a16="http://schemas.microsoft.com/office/drawing/2014/main" id="{31904F7E-CCB4-F066-B9CA-7E42B43D282E}"/>
+              </a:ext>
+            </a:extLst>
+          </p:cNvPr>
+          <p:cNvSpPr>
+            <a:spLocks noGrp="1"/>
+          </p:cNvSpPr>
+          <p:nvPr>
+            <p:ph idx="1"/>
+          </p:nvPr>
+        </p:nvSpPr>
+        <p:spPr/>
+        <p:txBody>
+          <a:bodyPr>
+            <a:normAutofit lnSpcReduction="10000"/>
+          </a:bodyPr>
+          <a:lstStyle/>
+          <a:p>
+            <a:r>
+              <a:rPr lang="en-US" b="0" i="0" dirty="0">
+                <a:solidFill>
+                  <a:srgbClr val="374151"/>
+                </a:solidFill>
+                <a:effectLst/>
+                <a:latin typeface="Söhne"/>
+              </a:rPr>
+              <a:t>Bubble Sort</a:t>
+            </a:r>
+          </a:p>
+          <a:p>
+            <a:r>
+              <a:rPr lang="zh-CN" altLang="en-US" dirty="0"/>
+              <a:t>输入</a:t>
+            </a:r>
+            <a:r>
+              <a:rPr lang="en-US" altLang="zh-CN" dirty="0"/>
+              <a:t>[64, 34, 25, 12, 22, 11, 90]</a:t>
+            </a:r>
+            <a:r>
+              <a:rPr lang="zh-CN" altLang="en-US" dirty="0"/>
+              <a:t>打乱数组</a:t>
+            </a:r>
+            <a:endParaRPr lang="en-US" altLang="zh-CN" dirty="0"/>
+          </a:p>
+          <a:p>
+            <a:endParaRPr lang="en-US" dirty="0"/>
+          </a:p>
+          <a:p>
+            <a:r>
+              <a:rPr lang="zh-CN" altLang="en-US" dirty="0"/>
+              <a:t>输出</a:t>
+            </a:r>
+            <a:r>
+              <a:rPr lang="en-US" altLang="zh-CN" dirty="0"/>
+              <a:t>[11,12,22,25,34,64,90 ]</a:t>
+            </a:r>
+          </a:p>
+          <a:p>
+            <a:r>
+              <a:rPr lang="zh-CN" altLang="en-US" dirty="0"/>
+              <a:t>排序好的数组</a:t>
+            </a:r>
+            <a:endParaRPr lang="en-US" altLang="zh-CN" dirty="0"/>
+          </a:p>
+          <a:p>
+            <a:endParaRPr lang="en-US" dirty="0"/>
+          </a:p>
+          <a:p>
+            <a:r>
+              <a:rPr lang="zh-CN" altLang="en-US" dirty="0"/>
+              <a:t>可能的练习地址：</a:t>
+            </a:r>
+            <a:r>
+              <a:rPr lang="en-US" altLang="zh-CN" dirty="0"/>
+              <a:t>https://practice.geeksforgeeks.org/problems/bubble-sort/1?utm_source=geeksforgeeks&amp;utm_medium=article_practice_tab&amp;utm_campaign=article_practice_tab</a:t>
+            </a:r>
+            <a:endParaRPr lang="en-US" dirty="0"/>
+          </a:p>
+        </p:txBody>
+      </p:sp>
+    </p:spTree>
+    <p:extLst>
+      <p:ext uri="{BB962C8B-B14F-4D97-AF65-F5344CB8AC3E}">
+        <p14:creationId xmlns:p14="http://schemas.microsoft.com/office/powerpoint/2010/main" val="271344641"/>
+      </p:ext>
+    </p:extLst>
+  </p:cSld>
+  <p:clrMapOvr>
+    <a:masterClrMapping/>
+  </p:clrMapOvr>
+</p:sld>
+</file>
+
+<file path=ppt/slides/slide37.xml><?xml version="1.0" encoding="utf-8"?>
+<p:sld xmlns:a="http://schemas.openxmlformats.org/drawingml/2006/main" xmlns:r="http://schemas.openxmlformats.org/officeDocument/2006/relationships" xmlns:p="http://schemas.openxmlformats.org/presentationml/2006/main">
+  <p:cSld>
+    <p:spTree>
+      <p:nvGrpSpPr>
+        <p:cNvPr id="1" name=""/>
+        <p:cNvGrpSpPr/>
+        <p:nvPr/>
+      </p:nvGrpSpPr>
+      <p:grpSpPr>
+        <a:xfrm>
+          <a:off x="0" y="0"/>
+          <a:ext cx="0" cy="0"/>
+          <a:chOff x="0" y="0"/>
+          <a:chExt cx="0" cy="0"/>
+        </a:xfrm>
+      </p:grpSpPr>
+      <p:sp>
+        <p:nvSpPr>
+          <p:cNvPr id="2" name="标题 1">
+            <a:extLst>
+              <a:ext uri="{FF2B5EF4-FFF2-40B4-BE49-F238E27FC236}">
+                <a16:creationId xmlns:a16="http://schemas.microsoft.com/office/drawing/2014/main" id="{E3CCCD88-DE8A-4CD8-97CE-C7EA74F9E098}"/>
+              </a:ext>
+            </a:extLst>
+          </p:cNvPr>
+          <p:cNvSpPr>
+            <a:spLocks noGrp="1"/>
+          </p:cNvSpPr>
+          <p:nvPr>
+            <p:ph type="title"/>
+          </p:nvPr>
+        </p:nvSpPr>
+        <p:spPr/>
+        <p:txBody>
+          <a:bodyPr/>
+          <a:lstStyle/>
+          <a:p>
+            <a:r>
+              <a:rPr lang="zh-CN" altLang="en-US" dirty="0"/>
+              <a:t>简单练习</a:t>
+            </a:r>
+            <a:endParaRPr lang="en-US" dirty="0"/>
+          </a:p>
+        </p:txBody>
+      </p:sp>
+      <p:sp>
+        <p:nvSpPr>
+          <p:cNvPr id="3" name="内容占位符 2">
+            <a:extLst>
+              <a:ext uri="{FF2B5EF4-FFF2-40B4-BE49-F238E27FC236}">
+                <a16:creationId xmlns:a16="http://schemas.microsoft.com/office/drawing/2014/main" id="{31904F7E-CCB4-F066-B9CA-7E42B43D282E}"/>
+              </a:ext>
+            </a:extLst>
+          </p:cNvPr>
+          <p:cNvSpPr>
+            <a:spLocks noGrp="1"/>
+          </p:cNvSpPr>
+          <p:nvPr>
+            <p:ph idx="1"/>
+          </p:nvPr>
+        </p:nvSpPr>
+        <p:spPr/>
+        <p:txBody>
+          <a:bodyPr/>
+          <a:lstStyle/>
+          <a:p>
+            <a:r>
+              <a:rPr lang="en-US" b="0" i="0" dirty="0">
+                <a:solidFill>
+                  <a:srgbClr val="374151"/>
+                </a:solidFill>
+                <a:effectLst/>
+                <a:latin typeface="Söhne"/>
+              </a:rPr>
+              <a:t>Bubble Sort</a:t>
+            </a:r>
+          </a:p>
+          <a:p>
+            <a:endParaRPr lang="en-US" dirty="0"/>
+          </a:p>
+        </p:txBody>
+      </p:sp>
+      <p:pic>
+        <p:nvPicPr>
+          <p:cNvPr id="5" name="图片 4">
+            <a:extLst>
+              <a:ext uri="{FF2B5EF4-FFF2-40B4-BE49-F238E27FC236}">
+                <a16:creationId xmlns:a16="http://schemas.microsoft.com/office/drawing/2014/main" id="{FAA8EFDA-6E16-7665-0685-9BA70DA11580}"/>
+              </a:ext>
+            </a:extLst>
+          </p:cNvPr>
+          <p:cNvPicPr>
+            <a:picLocks noChangeAspect="1"/>
+          </p:cNvPicPr>
+          <p:nvPr/>
+        </p:nvPicPr>
+        <p:blipFill>
+          <a:blip r:embed="rId2">
+            <a:extLst>
+              <a:ext uri="{28A0092B-C50C-407E-A947-70E740481C1C}">
+                <a14:useLocalDpi xmlns:a14="http://schemas.microsoft.com/office/drawing/2010/main" val="0"/>
+              </a:ext>
+            </a:extLst>
+          </a:blip>
+          <a:stretch>
+            <a:fillRect/>
+          </a:stretch>
+        </p:blipFill>
+        <p:spPr>
+          <a:xfrm>
+            <a:off x="1747837" y="2928937"/>
+            <a:ext cx="8086017" cy="2843213"/>
+          </a:xfrm>
+          <a:prstGeom prst="rect">
+            <a:avLst/>
+          </a:prstGeom>
+        </p:spPr>
+      </p:pic>
+    </p:spTree>
+    <p:extLst>
+      <p:ext uri="{BB962C8B-B14F-4D97-AF65-F5344CB8AC3E}">
+        <p14:creationId xmlns:p14="http://schemas.microsoft.com/office/powerpoint/2010/main" val="912174142"/>
+      </p:ext>
+    </p:extLst>
+  </p:cSld>
+  <p:clrMapOvr>
+    <a:masterClrMapping/>
+  </p:clrMapOvr>
+</p:sld>
+</file>
+
+<file path=ppt/slides/slide38.xml><?xml version="1.0" encoding="utf-8"?>
+<p:sld xmlns:a="http://schemas.openxmlformats.org/drawingml/2006/main" xmlns:r="http://schemas.openxmlformats.org/officeDocument/2006/relationships" xmlns:p="http://schemas.openxmlformats.org/presentationml/2006/main">
+  <p:cSld>
+    <p:spTree>
+      <p:nvGrpSpPr>
+        <p:cNvPr id="1" name=""/>
+        <p:cNvGrpSpPr/>
+        <p:nvPr/>
+      </p:nvGrpSpPr>
+      <p:grpSpPr>
+        <a:xfrm>
+          <a:off x="0" y="0"/>
+          <a:ext cx="0" cy="0"/>
+          <a:chOff x="0" y="0"/>
+          <a:chExt cx="0" cy="0"/>
+        </a:xfrm>
+      </p:grpSpPr>
+      <p:sp>
+        <p:nvSpPr>
+          <p:cNvPr id="2" name="标题 1">
+            <a:extLst>
+              <a:ext uri="{FF2B5EF4-FFF2-40B4-BE49-F238E27FC236}">
+                <a16:creationId xmlns:a16="http://schemas.microsoft.com/office/drawing/2014/main" id="{1FE3FEAD-B97C-2254-1343-4EB24BF3AC46}"/>
+              </a:ext>
+            </a:extLst>
+          </p:cNvPr>
+          <p:cNvSpPr>
+            <a:spLocks noGrp="1"/>
+          </p:cNvSpPr>
+          <p:nvPr>
+            <p:ph type="title"/>
+          </p:nvPr>
+        </p:nvSpPr>
+        <p:spPr/>
+        <p:txBody>
+          <a:bodyPr/>
+          <a:lstStyle/>
+          <a:p>
+            <a:endParaRPr lang="en-US"/>
+          </a:p>
+        </p:txBody>
+      </p:sp>
+      <p:sp>
+        <p:nvSpPr>
+          <p:cNvPr id="3" name="内容占位符 2">
+            <a:extLst>
+              <a:ext uri="{FF2B5EF4-FFF2-40B4-BE49-F238E27FC236}">
+                <a16:creationId xmlns:a16="http://schemas.microsoft.com/office/drawing/2014/main" id="{3D9B9C42-298A-63E4-A1B8-5495CC87C164}"/>
+              </a:ext>
+            </a:extLst>
+          </p:cNvPr>
+          <p:cNvSpPr>
+            <a:spLocks noGrp="1"/>
+          </p:cNvSpPr>
+          <p:nvPr>
+            <p:ph idx="1"/>
+          </p:nvPr>
+        </p:nvSpPr>
+        <p:spPr/>
+        <p:txBody>
+          <a:bodyPr/>
+          <a:lstStyle/>
+          <a:p>
+            <a:endParaRPr lang="en-US"/>
+          </a:p>
+        </p:txBody>
+      </p:sp>
+      <p:pic>
+        <p:nvPicPr>
+          <p:cNvPr id="2054" name="Picture 6" descr="3.1.4 Sorting Algorithms">
+            <a:extLst>
+              <a:ext uri="{FF2B5EF4-FFF2-40B4-BE49-F238E27FC236}">
+                <a16:creationId xmlns:a16="http://schemas.microsoft.com/office/drawing/2014/main" id="{8820F4A7-C3FA-5195-2632-C69707E72AD9}"/>
+              </a:ext>
+            </a:extLst>
+          </p:cNvPr>
+          <p:cNvPicPr>
+            <a:picLocks noChangeAspect="1" noChangeArrowheads="1"/>
+          </p:cNvPicPr>
+          <p:nvPr/>
+        </p:nvPicPr>
+        <p:blipFill>
+          <a:blip r:embed="rId2">
+            <a:extLst>
+              <a:ext uri="{28A0092B-C50C-407E-A947-70E740481C1C}">
+                <a14:useLocalDpi xmlns:a14="http://schemas.microsoft.com/office/drawing/2010/main" val="0"/>
+              </a:ext>
+            </a:extLst>
+          </a:blip>
+          <a:srcRect/>
+          <a:stretch>
+            <a:fillRect/>
+          </a:stretch>
+        </p:blipFill>
+        <p:spPr bwMode="auto">
+          <a:xfrm>
+            <a:off x="1884363" y="0"/>
+            <a:ext cx="6116637" cy="6858000"/>
+          </a:xfrm>
+          <a:prstGeom prst="rect">
+            <a:avLst/>
+          </a:prstGeom>
+          <a:noFill/>
+          <a:extLst>
+            <a:ext uri="{909E8E84-426E-40DD-AFC4-6F175D3DCCD1}">
+              <a14:hiddenFill xmlns:a14="http://schemas.microsoft.com/office/drawing/2010/main">
+                <a:solidFill>
+                  <a:srgbClr val="FFFFFF"/>
+                </a:solidFill>
+              </a14:hiddenFill>
+            </a:ext>
+          </a:extLst>
+        </p:spPr>
+      </p:pic>
+      <p:pic>
+        <p:nvPicPr>
+          <p:cNvPr id="2056" name="Picture 8" descr="Bubble Sort in C++">
+            <a:extLst>
+              <a:ext uri="{FF2B5EF4-FFF2-40B4-BE49-F238E27FC236}">
+                <a16:creationId xmlns:a16="http://schemas.microsoft.com/office/drawing/2014/main" id="{45E6C8E6-FA96-41CF-642B-114D151F2144}"/>
+              </a:ext>
+            </a:extLst>
+          </p:cNvPr>
+          <p:cNvPicPr>
+            <a:picLocks noChangeAspect="1" noChangeArrowheads="1"/>
+          </p:cNvPicPr>
+          <p:nvPr/>
+        </p:nvPicPr>
+        <p:blipFill>
+          <a:blip r:embed="rId3">
+            <a:extLst>
+              <a:ext uri="{28A0092B-C50C-407E-A947-70E740481C1C}">
+                <a14:useLocalDpi xmlns:a14="http://schemas.microsoft.com/office/drawing/2010/main" val="0"/>
+              </a:ext>
+            </a:extLst>
+          </a:blip>
+          <a:srcRect/>
+          <a:stretch>
+            <a:fillRect/>
+          </a:stretch>
+        </p:blipFill>
+        <p:spPr bwMode="auto">
+          <a:xfrm>
+            <a:off x="628650" y="0"/>
+            <a:ext cx="10304463" cy="6858000"/>
+          </a:xfrm>
+          <a:prstGeom prst="rect">
+            <a:avLst/>
+          </a:prstGeom>
+          <a:noFill/>
+          <a:extLst>
+            <a:ext uri="{909E8E84-426E-40DD-AFC4-6F175D3DCCD1}">
+              <a14:hiddenFill xmlns:a14="http://schemas.microsoft.com/office/drawing/2010/main">
+                <a:solidFill>
+                  <a:srgbClr val="FFFFFF"/>
+                </a:solidFill>
+              </a14:hiddenFill>
+            </a:ext>
+          </a:extLst>
+        </p:spPr>
+      </p:pic>
+    </p:spTree>
+    <p:extLst>
+      <p:ext uri="{BB962C8B-B14F-4D97-AF65-F5344CB8AC3E}">
+        <p14:creationId xmlns:p14="http://schemas.microsoft.com/office/powerpoint/2010/main" val="1278529053"/>
+      </p:ext>
+    </p:extLst>
+  </p:cSld>
+  <p:clrMapOvr>
+    <a:masterClrMapping/>
+  </p:clrMapOvr>
+</p:sld>
+</file>
+
+<file path=ppt/slides/slide39.xml><?xml version="1.0" encoding="utf-8"?>
+<p:sld xmlns:a="http://schemas.openxmlformats.org/drawingml/2006/main" xmlns:r="http://schemas.openxmlformats.org/officeDocument/2006/relationships" xmlns:p="http://schemas.openxmlformats.org/presentationml/2006/main">
+  <p:cSld>
+    <p:spTree>
+      <p:nvGrpSpPr>
+        <p:cNvPr id="1" name=""/>
+        <p:cNvGrpSpPr/>
+        <p:nvPr/>
+      </p:nvGrpSpPr>
+      <p:grpSpPr>
+        <a:xfrm>
+          <a:off x="0" y="0"/>
+          <a:ext cx="0" cy="0"/>
+          <a:chOff x="0" y="0"/>
+          <a:chExt cx="0" cy="0"/>
+        </a:xfrm>
+      </p:grpSpPr>
+      <p:sp>
+        <p:nvSpPr>
+          <p:cNvPr id="2" name="标题 1">
+            <a:extLst>
+              <a:ext uri="{FF2B5EF4-FFF2-40B4-BE49-F238E27FC236}">
+                <a16:creationId xmlns:a16="http://schemas.microsoft.com/office/drawing/2014/main" id="{4C4180F2-C276-65B8-DB58-173CC9BDE39E}"/>
+              </a:ext>
+            </a:extLst>
+          </p:cNvPr>
+          <p:cNvSpPr>
+            <a:spLocks noGrp="1"/>
+          </p:cNvSpPr>
+          <p:nvPr>
+            <p:ph type="title"/>
+          </p:nvPr>
+        </p:nvSpPr>
+        <p:spPr/>
+        <p:txBody>
+          <a:bodyPr/>
+          <a:lstStyle/>
+          <a:p>
+            <a:endParaRPr lang="en-US"/>
+          </a:p>
+        </p:txBody>
+      </p:sp>
+      <p:sp>
+        <p:nvSpPr>
+          <p:cNvPr id="3" name="内容占位符 2">
+            <a:extLst>
+              <a:ext uri="{FF2B5EF4-FFF2-40B4-BE49-F238E27FC236}">
+                <a16:creationId xmlns:a16="http://schemas.microsoft.com/office/drawing/2014/main" id="{DB1037C1-3125-C24A-4AF1-372044F04CEF}"/>
+              </a:ext>
+            </a:extLst>
+          </p:cNvPr>
+          <p:cNvSpPr>
+            <a:spLocks noGrp="1"/>
+          </p:cNvSpPr>
+          <p:nvPr>
+            <p:ph idx="1"/>
+          </p:nvPr>
+        </p:nvSpPr>
+        <p:spPr/>
+        <p:txBody>
+          <a:bodyPr/>
+          <a:lstStyle/>
+          <a:p>
+            <a:endParaRPr lang="en-US"/>
+          </a:p>
+        </p:txBody>
+      </p:sp>
+      <p:pic>
+        <p:nvPicPr>
+          <p:cNvPr id="8" name="图片 7">
+            <a:extLst>
+              <a:ext uri="{FF2B5EF4-FFF2-40B4-BE49-F238E27FC236}">
+                <a16:creationId xmlns:a16="http://schemas.microsoft.com/office/drawing/2014/main" id="{7C0B599D-BB2E-3526-4860-A91BB23C4E8F}"/>
+              </a:ext>
+            </a:extLst>
+          </p:cNvPr>
+          <p:cNvPicPr>
+            <a:picLocks noChangeAspect="1"/>
+          </p:cNvPicPr>
+          <p:nvPr/>
+        </p:nvPicPr>
+        <p:blipFill>
+          <a:blip r:embed="rId2"/>
+          <a:stretch>
+            <a:fillRect/>
+          </a:stretch>
+        </p:blipFill>
+        <p:spPr>
+          <a:xfrm>
+            <a:off x="366712" y="228600"/>
+            <a:ext cx="11458575" cy="6400800"/>
+          </a:xfrm>
+          <a:prstGeom prst="rect">
+            <a:avLst/>
+          </a:prstGeom>
+        </p:spPr>
+      </p:pic>
+    </p:spTree>
+    <p:extLst>
+      <p:ext uri="{BB962C8B-B14F-4D97-AF65-F5344CB8AC3E}">
+        <p14:creationId xmlns:p14="http://schemas.microsoft.com/office/powerpoint/2010/main" val="2699792128"/>
+      </p:ext>
+    </p:extLst>
+  </p:cSld>
+  <p:clrMapOvr>
+    <a:masterClrMapping/>
+  </p:clrMapOvr>
+</p:sld>
+</file>
+
 <file path=ppt/slides/slide4.xml><?xml version="1.0" encoding="utf-8"?>
 <p:sld xmlns:a="http://schemas.openxmlformats.org/drawingml/2006/main" xmlns:r="http://schemas.openxmlformats.org/officeDocument/2006/relationships" xmlns:p="http://schemas.openxmlformats.org/presentationml/2006/main">
   <p:cSld>
@@ -4252,6 +7687,444 @@
     <p:extLst>
       <p:ext uri="{BB962C8B-B14F-4D97-AF65-F5344CB8AC3E}">
         <p14:creationId xmlns:p14="http://schemas.microsoft.com/office/powerpoint/2010/main" val="2282313237"/>
+      </p:ext>
+    </p:extLst>
+  </p:cSld>
+  <p:clrMapOvr>
+    <a:masterClrMapping/>
+  </p:clrMapOvr>
+</p:sld>
+</file>
+
+<file path=ppt/slides/slide40.xml><?xml version="1.0" encoding="utf-8"?>
+<p:sld xmlns:a="http://schemas.openxmlformats.org/drawingml/2006/main" xmlns:r="http://schemas.openxmlformats.org/officeDocument/2006/relationships" xmlns:p="http://schemas.openxmlformats.org/presentationml/2006/main">
+  <p:cSld>
+    <p:spTree>
+      <p:nvGrpSpPr>
+        <p:cNvPr id="1" name=""/>
+        <p:cNvGrpSpPr/>
+        <p:nvPr/>
+      </p:nvGrpSpPr>
+      <p:grpSpPr>
+        <a:xfrm>
+          <a:off x="0" y="0"/>
+          <a:ext cx="0" cy="0"/>
+          <a:chOff x="0" y="0"/>
+          <a:chExt cx="0" cy="0"/>
+        </a:xfrm>
+      </p:grpSpPr>
+      <p:sp>
+        <p:nvSpPr>
+          <p:cNvPr id="2" name="标题 1">
+            <a:extLst>
+              <a:ext uri="{FF2B5EF4-FFF2-40B4-BE49-F238E27FC236}">
+                <a16:creationId xmlns:a16="http://schemas.microsoft.com/office/drawing/2014/main" id="{222B9799-00E9-A8D5-2E7A-81543D51EC8E}"/>
+              </a:ext>
+            </a:extLst>
+          </p:cNvPr>
+          <p:cNvSpPr>
+            <a:spLocks noGrp="1"/>
+          </p:cNvSpPr>
+          <p:nvPr>
+            <p:ph type="title"/>
+          </p:nvPr>
+        </p:nvSpPr>
+        <p:spPr/>
+        <p:txBody>
+          <a:bodyPr/>
+          <a:lstStyle/>
+          <a:p>
+            <a:r>
+              <a:rPr lang="en-US" altLang="zh-CN" dirty="0"/>
+              <a:t>SQL</a:t>
+            </a:r>
+            <a:endParaRPr lang="en-US" dirty="0"/>
+          </a:p>
+        </p:txBody>
+      </p:sp>
+      <p:sp>
+        <p:nvSpPr>
+          <p:cNvPr id="3" name="内容占位符 2">
+            <a:extLst>
+              <a:ext uri="{FF2B5EF4-FFF2-40B4-BE49-F238E27FC236}">
+                <a16:creationId xmlns:a16="http://schemas.microsoft.com/office/drawing/2014/main" id="{2E20F2B9-A5D8-DB7C-E7E8-6572DD120A2B}"/>
+              </a:ext>
+            </a:extLst>
+          </p:cNvPr>
+          <p:cNvSpPr>
+            <a:spLocks noGrp="1"/>
+          </p:cNvSpPr>
+          <p:nvPr>
+            <p:ph idx="1"/>
+          </p:nvPr>
+        </p:nvSpPr>
+        <p:spPr/>
+        <p:txBody>
+          <a:bodyPr/>
+          <a:lstStyle/>
+          <a:p>
+            <a:r>
+              <a:rPr lang="en-US" b="0" i="0" dirty="0">
+                <a:solidFill>
+                  <a:srgbClr val="000000"/>
+                </a:solidFill>
+                <a:effectLst/>
+                <a:latin typeface="arial" panose="020B0604020202020204" pitchFamily="34" charset="0"/>
+              </a:rPr>
+              <a:t>SELECT 10 + 32 FROM Student</a:t>
+            </a:r>
+          </a:p>
+          <a:p>
+            <a:endParaRPr lang="en-US" dirty="0">
+              <a:solidFill>
+                <a:srgbClr val="000000"/>
+              </a:solidFill>
+              <a:latin typeface="arial" panose="020B0604020202020204" pitchFamily="34" charset="0"/>
+            </a:endParaRPr>
+          </a:p>
+          <a:p>
+            <a:endParaRPr lang="en-US" dirty="0"/>
+          </a:p>
+        </p:txBody>
+      </p:sp>
+      <p:pic>
+        <p:nvPicPr>
+          <p:cNvPr id="8" name="图片 7">
+            <a:extLst>
+              <a:ext uri="{FF2B5EF4-FFF2-40B4-BE49-F238E27FC236}">
+                <a16:creationId xmlns:a16="http://schemas.microsoft.com/office/drawing/2014/main" id="{EF8FE3C0-03CD-A7F4-3506-AC5D96829025}"/>
+              </a:ext>
+            </a:extLst>
+          </p:cNvPr>
+          <p:cNvPicPr>
+            <a:picLocks noChangeAspect="1"/>
+          </p:cNvPicPr>
+          <p:nvPr/>
+        </p:nvPicPr>
+        <p:blipFill>
+          <a:blip r:embed="rId3"/>
+          <a:stretch>
+            <a:fillRect/>
+          </a:stretch>
+        </p:blipFill>
+        <p:spPr>
+          <a:xfrm>
+            <a:off x="1019174" y="2771775"/>
+            <a:ext cx="8477251" cy="1836738"/>
+          </a:xfrm>
+          <a:prstGeom prst="rect">
+            <a:avLst/>
+          </a:prstGeom>
+        </p:spPr>
+      </p:pic>
+    </p:spTree>
+    <p:extLst>
+      <p:ext uri="{BB962C8B-B14F-4D97-AF65-F5344CB8AC3E}">
+        <p14:creationId xmlns:p14="http://schemas.microsoft.com/office/powerpoint/2010/main" val="4146877771"/>
+      </p:ext>
+    </p:extLst>
+  </p:cSld>
+  <p:clrMapOvr>
+    <a:masterClrMapping/>
+  </p:clrMapOvr>
+</p:sld>
+</file>
+
+<file path=ppt/slides/slide41.xml><?xml version="1.0" encoding="utf-8"?>
+<p:sld xmlns:a="http://schemas.openxmlformats.org/drawingml/2006/main" xmlns:r="http://schemas.openxmlformats.org/officeDocument/2006/relationships" xmlns:p="http://schemas.openxmlformats.org/presentationml/2006/main">
+  <p:cSld>
+    <p:spTree>
+      <p:nvGrpSpPr>
+        <p:cNvPr id="1" name=""/>
+        <p:cNvGrpSpPr/>
+        <p:nvPr/>
+      </p:nvGrpSpPr>
+      <p:grpSpPr>
+        <a:xfrm>
+          <a:off x="0" y="0"/>
+          <a:ext cx="0" cy="0"/>
+          <a:chOff x="0" y="0"/>
+          <a:chExt cx="0" cy="0"/>
+        </a:xfrm>
+      </p:grpSpPr>
+      <p:sp>
+        <p:nvSpPr>
+          <p:cNvPr id="2" name="标题 1">
+            <a:extLst>
+              <a:ext uri="{FF2B5EF4-FFF2-40B4-BE49-F238E27FC236}">
+                <a16:creationId xmlns:a16="http://schemas.microsoft.com/office/drawing/2014/main" id="{34D3521D-C0DB-3C53-32D7-A27EADD34C5C}"/>
+              </a:ext>
+            </a:extLst>
+          </p:cNvPr>
+          <p:cNvSpPr>
+            <a:spLocks noGrp="1"/>
+          </p:cNvSpPr>
+          <p:nvPr>
+            <p:ph type="title"/>
+          </p:nvPr>
+        </p:nvSpPr>
+        <p:spPr/>
+        <p:txBody>
+          <a:bodyPr/>
+          <a:lstStyle/>
+          <a:p>
+            <a:r>
+              <a:rPr lang="en-US" altLang="zh-CN" dirty="0"/>
+              <a:t>SQL</a:t>
+            </a:r>
+            <a:endParaRPr lang="en-US" dirty="0"/>
+          </a:p>
+        </p:txBody>
+      </p:sp>
+      <p:sp>
+        <p:nvSpPr>
+          <p:cNvPr id="3" name="内容占位符 2">
+            <a:extLst>
+              <a:ext uri="{FF2B5EF4-FFF2-40B4-BE49-F238E27FC236}">
+                <a16:creationId xmlns:a16="http://schemas.microsoft.com/office/drawing/2014/main" id="{9E4301E3-B6F6-090D-E309-6A0F3FD0FE5A}"/>
+              </a:ext>
+            </a:extLst>
+          </p:cNvPr>
+          <p:cNvSpPr>
+            <a:spLocks noGrp="1"/>
+          </p:cNvSpPr>
+          <p:nvPr>
+            <p:ph idx="1"/>
+          </p:nvPr>
+        </p:nvSpPr>
+        <p:spPr/>
+        <p:txBody>
+          <a:bodyPr/>
+          <a:lstStyle/>
+          <a:p>
+            <a:pPr algn="l"/>
+            <a:r>
+              <a:rPr lang="en-US" sz="2000" b="0" i="0" dirty="0">
+                <a:solidFill>
+                  <a:srgbClr val="000000"/>
+                </a:solidFill>
+                <a:effectLst/>
+                <a:latin typeface="arial" panose="020B0604020202020204" pitchFamily="34" charset="0"/>
+              </a:rPr>
+              <a:t>Consider the following schema </a:t>
+            </a:r>
+            <a:r>
+              <a:rPr lang="en-US" sz="2000" b="1" i="0" dirty="0">
+                <a:solidFill>
+                  <a:srgbClr val="000000"/>
+                </a:solidFill>
+                <a:effectLst/>
+                <a:latin typeface="arial" panose="020B0604020202020204" pitchFamily="34" charset="0"/>
+              </a:rPr>
+              <a:t>Enrolled(</a:t>
+            </a:r>
+            <a:r>
+              <a:rPr lang="en-US" sz="2000" b="1" i="0" dirty="0" err="1">
+                <a:solidFill>
+                  <a:srgbClr val="000000"/>
+                </a:solidFill>
+                <a:effectLst/>
+                <a:latin typeface="arial" panose="020B0604020202020204" pitchFamily="34" charset="0"/>
+              </a:rPr>
+              <a:t>sid</a:t>
+            </a:r>
+            <a:r>
+              <a:rPr lang="en-US" sz="2000" b="1" i="0" dirty="0">
+                <a:solidFill>
+                  <a:srgbClr val="000000"/>
+                </a:solidFill>
+                <a:effectLst/>
+                <a:latin typeface="arial" panose="020B0604020202020204" pitchFamily="34" charset="0"/>
+              </a:rPr>
+              <a:t>, </a:t>
+            </a:r>
+            <a:r>
+              <a:rPr lang="en-US" sz="2000" b="1" i="0" dirty="0" err="1">
+                <a:solidFill>
+                  <a:srgbClr val="000000"/>
+                </a:solidFill>
+                <a:effectLst/>
+                <a:latin typeface="arial" panose="020B0604020202020204" pitchFamily="34" charset="0"/>
+              </a:rPr>
+              <a:t>cid</a:t>
+            </a:r>
+            <a:r>
+              <a:rPr lang="en-US" sz="2000" b="1" i="0" dirty="0">
+                <a:solidFill>
+                  <a:srgbClr val="000000"/>
+                </a:solidFill>
+                <a:effectLst/>
+                <a:latin typeface="arial" panose="020B0604020202020204" pitchFamily="34" charset="0"/>
+              </a:rPr>
+              <a:t>, grade).</a:t>
+            </a:r>
+          </a:p>
+          <a:p>
+            <a:pPr algn="l"/>
+            <a:r>
+              <a:rPr lang="en-US" sz="2000" b="0" i="0" dirty="0">
+                <a:solidFill>
+                  <a:srgbClr val="000000"/>
+                </a:solidFill>
+                <a:effectLst/>
+                <a:latin typeface="arial" panose="020B0604020202020204" pitchFamily="34" charset="0"/>
+              </a:rPr>
+              <a:t>Find the IDs of the students with top-5 grades, ordered by student ID (lowest to highest). The reported student IDs may contain duplicates (e.g., if one student has more than one top-5 grades).</a:t>
+            </a:r>
+          </a:p>
+          <a:p>
+            <a:endParaRPr lang="en-US" dirty="0"/>
+          </a:p>
+        </p:txBody>
+      </p:sp>
+      <p:pic>
+        <p:nvPicPr>
+          <p:cNvPr id="5" name="图片 4">
+            <a:extLst>
+              <a:ext uri="{FF2B5EF4-FFF2-40B4-BE49-F238E27FC236}">
+                <a16:creationId xmlns:a16="http://schemas.microsoft.com/office/drawing/2014/main" id="{A6A4FD2D-6279-7570-0F40-C430567B7528}"/>
+              </a:ext>
+            </a:extLst>
+          </p:cNvPr>
+          <p:cNvPicPr>
+            <a:picLocks noChangeAspect="1"/>
+          </p:cNvPicPr>
+          <p:nvPr/>
+        </p:nvPicPr>
+        <p:blipFill>
+          <a:blip r:embed="rId2"/>
+          <a:stretch>
+            <a:fillRect/>
+          </a:stretch>
+        </p:blipFill>
+        <p:spPr>
+          <a:xfrm>
+            <a:off x="3276600" y="3190875"/>
+            <a:ext cx="2705100" cy="2918100"/>
+          </a:xfrm>
+          <a:prstGeom prst="rect">
+            <a:avLst/>
+          </a:prstGeom>
+        </p:spPr>
+      </p:pic>
+    </p:spTree>
+    <p:extLst>
+      <p:ext uri="{BB962C8B-B14F-4D97-AF65-F5344CB8AC3E}">
+        <p14:creationId xmlns:p14="http://schemas.microsoft.com/office/powerpoint/2010/main" val="2859249733"/>
+      </p:ext>
+    </p:extLst>
+  </p:cSld>
+  <p:clrMapOvr>
+    <a:masterClrMapping/>
+  </p:clrMapOvr>
+</p:sld>
+</file>
+
+<file path=ppt/slides/slide42.xml><?xml version="1.0" encoding="utf-8"?>
+<p:sld xmlns:a="http://schemas.openxmlformats.org/drawingml/2006/main" xmlns:r="http://schemas.openxmlformats.org/officeDocument/2006/relationships" xmlns:p="http://schemas.openxmlformats.org/presentationml/2006/main">
+  <p:cSld>
+    <p:spTree>
+      <p:nvGrpSpPr>
+        <p:cNvPr id="1" name=""/>
+        <p:cNvGrpSpPr/>
+        <p:nvPr/>
+      </p:nvGrpSpPr>
+      <p:grpSpPr>
+        <a:xfrm>
+          <a:off x="0" y="0"/>
+          <a:ext cx="0" cy="0"/>
+          <a:chOff x="0" y="0"/>
+          <a:chExt cx="0" cy="0"/>
+        </a:xfrm>
+      </p:grpSpPr>
+      <p:sp>
+        <p:nvSpPr>
+          <p:cNvPr id="2" name="标题 1">
+            <a:extLst>
+              <a:ext uri="{FF2B5EF4-FFF2-40B4-BE49-F238E27FC236}">
+                <a16:creationId xmlns:a16="http://schemas.microsoft.com/office/drawing/2014/main" id="{0E72A20B-E865-84AF-B1F4-59F7B2A3EE2F}"/>
+              </a:ext>
+            </a:extLst>
+          </p:cNvPr>
+          <p:cNvSpPr>
+            <a:spLocks noGrp="1"/>
+          </p:cNvSpPr>
+          <p:nvPr>
+            <p:ph type="title"/>
+          </p:nvPr>
+        </p:nvSpPr>
+        <p:spPr/>
+        <p:txBody>
+          <a:bodyPr/>
+          <a:lstStyle/>
+          <a:p>
+            <a:r>
+              <a:rPr lang="en-US" altLang="zh-CN" dirty="0"/>
+              <a:t>SQL</a:t>
+            </a:r>
+            <a:endParaRPr lang="en-US" dirty="0"/>
+          </a:p>
+        </p:txBody>
+      </p:sp>
+      <p:sp>
+        <p:nvSpPr>
+          <p:cNvPr id="3" name="内容占位符 2">
+            <a:extLst>
+              <a:ext uri="{FF2B5EF4-FFF2-40B4-BE49-F238E27FC236}">
+                <a16:creationId xmlns:a16="http://schemas.microsoft.com/office/drawing/2014/main" id="{E415407D-C5C5-437F-62B5-4B028B040286}"/>
+              </a:ext>
+            </a:extLst>
+          </p:cNvPr>
+          <p:cNvSpPr>
+            <a:spLocks noGrp="1"/>
+          </p:cNvSpPr>
+          <p:nvPr>
+            <p:ph idx="1"/>
+          </p:nvPr>
+        </p:nvSpPr>
+        <p:spPr/>
+        <p:txBody>
+          <a:bodyPr/>
+          <a:lstStyle/>
+          <a:p>
+            <a:endParaRPr lang="en-US"/>
+          </a:p>
+        </p:txBody>
+      </p:sp>
+      <p:pic>
+        <p:nvPicPr>
+          <p:cNvPr id="5" name="图片 4">
+            <a:extLst>
+              <a:ext uri="{FF2B5EF4-FFF2-40B4-BE49-F238E27FC236}">
+                <a16:creationId xmlns:a16="http://schemas.microsoft.com/office/drawing/2014/main" id="{9999C153-18FD-3C67-72AD-E113936FA31A}"/>
+              </a:ext>
+            </a:extLst>
+          </p:cNvPr>
+          <p:cNvPicPr>
+            <a:picLocks noChangeAspect="1"/>
+          </p:cNvPicPr>
+          <p:nvPr/>
+        </p:nvPicPr>
+        <p:blipFill>
+          <a:blip r:embed="rId2"/>
+          <a:stretch>
+            <a:fillRect/>
+          </a:stretch>
+        </p:blipFill>
+        <p:spPr>
+          <a:xfrm>
+            <a:off x="1152525" y="1914525"/>
+            <a:ext cx="9163050" cy="4248150"/>
+          </a:xfrm>
+          <a:prstGeom prst="rect">
+            <a:avLst/>
+          </a:prstGeom>
+        </p:spPr>
+      </p:pic>
+    </p:spTree>
+    <p:extLst>
+      <p:ext uri="{BB962C8B-B14F-4D97-AF65-F5344CB8AC3E}">
+        <p14:creationId xmlns:p14="http://schemas.microsoft.com/office/powerpoint/2010/main" val="4165412267"/>
       </p:ext>
     </p:extLst>
   </p:cSld>
